--- a/Gestao_de_Projeto/Recruta-Slide Curto.pptx
+++ b/Gestao_de_Projeto/Recruta-Slide Curto.pptx
@@ -61,7 +61,7 @@
       </p:grpSpPr>
       <p:sp>
         <p:nvSpPr>
-          <p:cNvPr id="26" name="PlaceHolder 1"/>
+          <p:cNvPr id="23" name="PlaceHolder 1"/>
           <p:cNvSpPr>
             <a:spLocks noGrp="1"/>
           </p:cNvSpPr>
@@ -72,7 +72,7 @@
         <p:spPr>
           <a:xfrm>
             <a:off x="685800" y="1122480"/>
-            <a:ext cx="7772040" cy="2387160"/>
+            <a:ext cx="7771680" cy="2386800"/>
           </a:xfrm>
           <a:prstGeom prst="rect">
             <a:avLst/>
@@ -81,23 +81,24 @@
         <p:txBody>
           <a:bodyPr lIns="0" rIns="0" tIns="0" bIns="0" anchor="ctr"/>
           <a:p>
-            <a:endParaRPr b="0" lang="pt-BR" sz="1800" spc="-1" strike="noStrike">
-              <a:solidFill>
-                <a:srgbClr val="000000"/>
-              </a:solidFill>
-              <a:uFill>
-                <a:solidFill>
-                  <a:srgbClr val="ffffff"/>
-                </a:solidFill>
-              </a:uFill>
-              <a:latin typeface="Calibri"/>
-            </a:endParaRPr>
-          </a:p>
-        </p:txBody>
-      </p:sp>
-      <p:sp>
-        <p:nvSpPr>
-          <p:cNvPr id="27" name="PlaceHolder 2"/>
+            <a:pPr algn="ctr"/>
+            <a:endParaRPr b="0" lang="pt-BR" sz="4400" spc="-1" strike="noStrike">
+              <a:solidFill>
+                <a:srgbClr val="000000"/>
+              </a:solidFill>
+              <a:uFill>
+                <a:solidFill>
+                  <a:srgbClr val="ffffff"/>
+                </a:solidFill>
+              </a:uFill>
+              <a:latin typeface="Arial"/>
+            </a:endParaRPr>
+          </a:p>
+        </p:txBody>
+      </p:sp>
+      <p:sp>
+        <p:nvSpPr>
+          <p:cNvPr id="24" name="PlaceHolder 2"/>
           <p:cNvSpPr>
             <a:spLocks noGrp="1"/>
           </p:cNvSpPr>
@@ -119,23 +120,23 @@
             <a:normAutofit/>
           </a:bodyPr>
           <a:p>
-            <a:endParaRPr b="0" lang="pt-BR" sz="2800" spc="-1" strike="noStrike">
-              <a:solidFill>
-                <a:srgbClr val="000000"/>
-              </a:solidFill>
-              <a:uFill>
-                <a:solidFill>
-                  <a:srgbClr val="ffffff"/>
-                </a:solidFill>
-              </a:uFill>
-              <a:latin typeface="Calibri"/>
-            </a:endParaRPr>
-          </a:p>
-        </p:txBody>
-      </p:sp>
-      <p:sp>
-        <p:nvSpPr>
-          <p:cNvPr id="28" name="PlaceHolder 3"/>
+            <a:endParaRPr b="0" lang="pt-BR" sz="3200" spc="-1" strike="noStrike">
+              <a:solidFill>
+                <a:srgbClr val="000000"/>
+              </a:solidFill>
+              <a:uFill>
+                <a:solidFill>
+                  <a:srgbClr val="ffffff"/>
+                </a:solidFill>
+              </a:uFill>
+              <a:latin typeface="Arial"/>
+            </a:endParaRPr>
+          </a:p>
+        </p:txBody>
+      </p:sp>
+      <p:sp>
+        <p:nvSpPr>
+          <p:cNvPr id="25" name="PlaceHolder 3"/>
           <p:cNvSpPr>
             <a:spLocks noGrp="1"/>
           </p:cNvSpPr>
@@ -157,16 +158,16 @@
             <a:normAutofit/>
           </a:bodyPr>
           <a:p>
-            <a:endParaRPr b="0" lang="pt-BR" sz="2800" spc="-1" strike="noStrike">
-              <a:solidFill>
-                <a:srgbClr val="000000"/>
-              </a:solidFill>
-              <a:uFill>
-                <a:solidFill>
-                  <a:srgbClr val="ffffff"/>
-                </a:solidFill>
-              </a:uFill>
-              <a:latin typeface="Calibri"/>
+            <a:endParaRPr b="0" lang="pt-BR" sz="3200" spc="-1" strike="noStrike">
+              <a:solidFill>
+                <a:srgbClr val="000000"/>
+              </a:solidFill>
+              <a:uFill>
+                <a:solidFill>
+                  <a:srgbClr val="ffffff"/>
+                </a:solidFill>
+              </a:uFill>
+              <a:latin typeface="Arial"/>
             </a:endParaRPr>
           </a:p>
         </p:txBody>
@@ -195,7 +196,7 @@
       </p:grpSpPr>
       <p:sp>
         <p:nvSpPr>
-          <p:cNvPr id="29" name="PlaceHolder 1"/>
+          <p:cNvPr id="26" name="PlaceHolder 1"/>
           <p:cNvSpPr>
             <a:spLocks noGrp="1"/>
           </p:cNvSpPr>
@@ -206,7 +207,7 @@
         <p:spPr>
           <a:xfrm>
             <a:off x="685800" y="1122480"/>
-            <a:ext cx="7772040" cy="2387160"/>
+            <a:ext cx="7771680" cy="2386800"/>
           </a:xfrm>
           <a:prstGeom prst="rect">
             <a:avLst/>
@@ -215,23 +216,24 @@
         <p:txBody>
           <a:bodyPr lIns="0" rIns="0" tIns="0" bIns="0" anchor="ctr"/>
           <a:p>
-            <a:endParaRPr b="0" lang="pt-BR" sz="1800" spc="-1" strike="noStrike">
-              <a:solidFill>
-                <a:srgbClr val="000000"/>
-              </a:solidFill>
-              <a:uFill>
-                <a:solidFill>
-                  <a:srgbClr val="ffffff"/>
-                </a:solidFill>
-              </a:uFill>
-              <a:latin typeface="Calibri"/>
-            </a:endParaRPr>
-          </a:p>
-        </p:txBody>
-      </p:sp>
-      <p:sp>
-        <p:nvSpPr>
-          <p:cNvPr id="30" name="PlaceHolder 2"/>
+            <a:pPr algn="ctr"/>
+            <a:endParaRPr b="0" lang="pt-BR" sz="4400" spc="-1" strike="noStrike">
+              <a:solidFill>
+                <a:srgbClr val="000000"/>
+              </a:solidFill>
+              <a:uFill>
+                <a:solidFill>
+                  <a:srgbClr val="ffffff"/>
+                </a:solidFill>
+              </a:uFill>
+              <a:latin typeface="Arial"/>
+            </a:endParaRPr>
+          </a:p>
+        </p:txBody>
+      </p:sp>
+      <p:sp>
+        <p:nvSpPr>
+          <p:cNvPr id="27" name="PlaceHolder 2"/>
           <p:cNvSpPr>
             <a:spLocks noGrp="1"/>
           </p:cNvSpPr>
@@ -253,23 +255,23 @@
             <a:normAutofit/>
           </a:bodyPr>
           <a:p>
-            <a:endParaRPr b="0" lang="pt-BR" sz="2800" spc="-1" strike="noStrike">
-              <a:solidFill>
-                <a:srgbClr val="000000"/>
-              </a:solidFill>
-              <a:uFill>
-                <a:solidFill>
-                  <a:srgbClr val="ffffff"/>
-                </a:solidFill>
-              </a:uFill>
-              <a:latin typeface="Calibri"/>
-            </a:endParaRPr>
-          </a:p>
-        </p:txBody>
-      </p:sp>
-      <p:sp>
-        <p:nvSpPr>
-          <p:cNvPr id="31" name="PlaceHolder 3"/>
+            <a:endParaRPr b="0" lang="pt-BR" sz="3200" spc="-1" strike="noStrike">
+              <a:solidFill>
+                <a:srgbClr val="000000"/>
+              </a:solidFill>
+              <a:uFill>
+                <a:solidFill>
+                  <a:srgbClr val="ffffff"/>
+                </a:solidFill>
+              </a:uFill>
+              <a:latin typeface="Arial"/>
+            </a:endParaRPr>
+          </a:p>
+        </p:txBody>
+      </p:sp>
+      <p:sp>
+        <p:nvSpPr>
+          <p:cNvPr id="28" name="PlaceHolder 3"/>
           <p:cNvSpPr>
             <a:spLocks noGrp="1"/>
           </p:cNvSpPr>
@@ -291,23 +293,23 @@
             <a:normAutofit/>
           </a:bodyPr>
           <a:p>
-            <a:endParaRPr b="0" lang="pt-BR" sz="2800" spc="-1" strike="noStrike">
-              <a:solidFill>
-                <a:srgbClr val="000000"/>
-              </a:solidFill>
-              <a:uFill>
-                <a:solidFill>
-                  <a:srgbClr val="ffffff"/>
-                </a:solidFill>
-              </a:uFill>
-              <a:latin typeface="Calibri"/>
-            </a:endParaRPr>
-          </a:p>
-        </p:txBody>
-      </p:sp>
-      <p:sp>
-        <p:nvSpPr>
-          <p:cNvPr id="32" name="PlaceHolder 4"/>
+            <a:endParaRPr b="0" lang="pt-BR" sz="3200" spc="-1" strike="noStrike">
+              <a:solidFill>
+                <a:srgbClr val="000000"/>
+              </a:solidFill>
+              <a:uFill>
+                <a:solidFill>
+                  <a:srgbClr val="ffffff"/>
+                </a:solidFill>
+              </a:uFill>
+              <a:latin typeface="Arial"/>
+            </a:endParaRPr>
+          </a:p>
+        </p:txBody>
+      </p:sp>
+      <p:sp>
+        <p:nvSpPr>
+          <p:cNvPr id="29" name="PlaceHolder 4"/>
           <p:cNvSpPr>
             <a:spLocks noGrp="1"/>
           </p:cNvSpPr>
@@ -329,23 +331,23 @@
             <a:normAutofit/>
           </a:bodyPr>
           <a:p>
-            <a:endParaRPr b="0" lang="pt-BR" sz="2800" spc="-1" strike="noStrike">
-              <a:solidFill>
-                <a:srgbClr val="000000"/>
-              </a:solidFill>
-              <a:uFill>
-                <a:solidFill>
-                  <a:srgbClr val="ffffff"/>
-                </a:solidFill>
-              </a:uFill>
-              <a:latin typeface="Calibri"/>
-            </a:endParaRPr>
-          </a:p>
-        </p:txBody>
-      </p:sp>
-      <p:sp>
-        <p:nvSpPr>
-          <p:cNvPr id="33" name="PlaceHolder 5"/>
+            <a:endParaRPr b="0" lang="pt-BR" sz="3200" spc="-1" strike="noStrike">
+              <a:solidFill>
+                <a:srgbClr val="000000"/>
+              </a:solidFill>
+              <a:uFill>
+                <a:solidFill>
+                  <a:srgbClr val="ffffff"/>
+                </a:solidFill>
+              </a:uFill>
+              <a:latin typeface="Arial"/>
+            </a:endParaRPr>
+          </a:p>
+        </p:txBody>
+      </p:sp>
+      <p:sp>
+        <p:nvSpPr>
+          <p:cNvPr id="30" name="PlaceHolder 5"/>
           <p:cNvSpPr>
             <a:spLocks noGrp="1"/>
           </p:cNvSpPr>
@@ -367,16 +369,16 @@
             <a:normAutofit/>
           </a:bodyPr>
           <a:p>
-            <a:endParaRPr b="0" lang="pt-BR" sz="2800" spc="-1" strike="noStrike">
-              <a:solidFill>
-                <a:srgbClr val="000000"/>
-              </a:solidFill>
-              <a:uFill>
-                <a:solidFill>
-                  <a:srgbClr val="ffffff"/>
-                </a:solidFill>
-              </a:uFill>
-              <a:latin typeface="Calibri"/>
+            <a:endParaRPr b="0" lang="pt-BR" sz="3200" spc="-1" strike="noStrike">
+              <a:solidFill>
+                <a:srgbClr val="000000"/>
+              </a:solidFill>
+              <a:uFill>
+                <a:solidFill>
+                  <a:srgbClr val="ffffff"/>
+                </a:solidFill>
+              </a:uFill>
+              <a:latin typeface="Arial"/>
             </a:endParaRPr>
           </a:p>
         </p:txBody>
@@ -405,7 +407,7 @@
       </p:grpSpPr>
       <p:sp>
         <p:nvSpPr>
-          <p:cNvPr id="34" name="PlaceHolder 1"/>
+          <p:cNvPr id="31" name="PlaceHolder 1"/>
           <p:cNvSpPr>
             <a:spLocks noGrp="1"/>
           </p:cNvSpPr>
@@ -416,7 +418,7 @@
         <p:spPr>
           <a:xfrm>
             <a:off x="685800" y="1122480"/>
-            <a:ext cx="7772040" cy="2387160"/>
+            <a:ext cx="7771680" cy="2386800"/>
           </a:xfrm>
           <a:prstGeom prst="rect">
             <a:avLst/>
@@ -425,23 +427,24 @@
         <p:txBody>
           <a:bodyPr lIns="0" rIns="0" tIns="0" bIns="0" anchor="ctr"/>
           <a:p>
-            <a:endParaRPr b="0" lang="pt-BR" sz="1800" spc="-1" strike="noStrike">
-              <a:solidFill>
-                <a:srgbClr val="000000"/>
-              </a:solidFill>
-              <a:uFill>
-                <a:solidFill>
-                  <a:srgbClr val="ffffff"/>
-                </a:solidFill>
-              </a:uFill>
-              <a:latin typeface="Calibri"/>
-            </a:endParaRPr>
-          </a:p>
-        </p:txBody>
-      </p:sp>
-      <p:sp>
-        <p:nvSpPr>
-          <p:cNvPr id="35" name="PlaceHolder 2"/>
+            <a:pPr algn="ctr"/>
+            <a:endParaRPr b="0" lang="pt-BR" sz="4400" spc="-1" strike="noStrike">
+              <a:solidFill>
+                <a:srgbClr val="000000"/>
+              </a:solidFill>
+              <a:uFill>
+                <a:solidFill>
+                  <a:srgbClr val="ffffff"/>
+                </a:solidFill>
+              </a:uFill>
+              <a:latin typeface="Arial"/>
+            </a:endParaRPr>
+          </a:p>
+        </p:txBody>
+      </p:sp>
+      <p:sp>
+        <p:nvSpPr>
+          <p:cNvPr id="32" name="PlaceHolder 2"/>
           <p:cNvSpPr>
             <a:spLocks noGrp="1"/>
           </p:cNvSpPr>
@@ -463,23 +466,23 @@
             <a:normAutofit/>
           </a:bodyPr>
           <a:p>
-            <a:endParaRPr b="0" lang="pt-BR" sz="2800" spc="-1" strike="noStrike">
-              <a:solidFill>
-                <a:srgbClr val="000000"/>
-              </a:solidFill>
-              <a:uFill>
-                <a:solidFill>
-                  <a:srgbClr val="ffffff"/>
-                </a:solidFill>
-              </a:uFill>
-              <a:latin typeface="Calibri"/>
-            </a:endParaRPr>
-          </a:p>
-        </p:txBody>
-      </p:sp>
-      <p:sp>
-        <p:nvSpPr>
-          <p:cNvPr id="36" name="PlaceHolder 3"/>
+            <a:endParaRPr b="0" lang="pt-BR" sz="3200" spc="-1" strike="noStrike">
+              <a:solidFill>
+                <a:srgbClr val="000000"/>
+              </a:solidFill>
+              <a:uFill>
+                <a:solidFill>
+                  <a:srgbClr val="ffffff"/>
+                </a:solidFill>
+              </a:uFill>
+              <a:latin typeface="Arial"/>
+            </a:endParaRPr>
+          </a:p>
+        </p:txBody>
+      </p:sp>
+      <p:sp>
+        <p:nvSpPr>
+          <p:cNvPr id="33" name="PlaceHolder 3"/>
           <p:cNvSpPr>
             <a:spLocks noGrp="1"/>
           </p:cNvSpPr>
@@ -501,23 +504,23 @@
             <a:normAutofit/>
           </a:bodyPr>
           <a:p>
-            <a:endParaRPr b="0" lang="pt-BR" sz="2800" spc="-1" strike="noStrike">
-              <a:solidFill>
-                <a:srgbClr val="000000"/>
-              </a:solidFill>
-              <a:uFill>
-                <a:solidFill>
-                  <a:srgbClr val="ffffff"/>
-                </a:solidFill>
-              </a:uFill>
-              <a:latin typeface="Calibri"/>
+            <a:endParaRPr b="0" lang="pt-BR" sz="3200" spc="-1" strike="noStrike">
+              <a:solidFill>
+                <a:srgbClr val="000000"/>
+              </a:solidFill>
+              <a:uFill>
+                <a:solidFill>
+                  <a:srgbClr val="ffffff"/>
+                </a:solidFill>
+              </a:uFill>
+              <a:latin typeface="Arial"/>
             </a:endParaRPr>
           </a:p>
         </p:txBody>
       </p:sp>
       <p:pic>
         <p:nvPicPr>
-          <p:cNvPr id="37" name="" descr=""/>
+          <p:cNvPr id="34" name="" descr=""/>
           <p:cNvPicPr/>
           <p:nvPr/>
         </p:nvPicPr>
@@ -540,7 +543,7 @@
       </p:pic>
       <p:pic>
         <p:nvPicPr>
-          <p:cNvPr id="38" name="" descr=""/>
+          <p:cNvPr id="35" name="" descr=""/>
           <p:cNvPicPr/>
           <p:nvPr/>
         </p:nvPicPr>
@@ -585,7 +588,7 @@
       </p:grpSpPr>
       <p:sp>
         <p:nvSpPr>
-          <p:cNvPr id="5" name="PlaceHolder 1"/>
+          <p:cNvPr id="2" name="PlaceHolder 1"/>
           <p:cNvSpPr>
             <a:spLocks noGrp="1"/>
           </p:cNvSpPr>
@@ -596,7 +599,7 @@
         <p:spPr>
           <a:xfrm>
             <a:off x="685800" y="1122480"/>
-            <a:ext cx="7772040" cy="2387160"/>
+            <a:ext cx="7771680" cy="2386800"/>
           </a:xfrm>
           <a:prstGeom prst="rect">
             <a:avLst/>
@@ -605,23 +608,24 @@
         <p:txBody>
           <a:bodyPr lIns="0" rIns="0" tIns="0" bIns="0" anchor="ctr"/>
           <a:p>
-            <a:endParaRPr b="0" lang="pt-BR" sz="1800" spc="-1" strike="noStrike">
-              <a:solidFill>
-                <a:srgbClr val="000000"/>
-              </a:solidFill>
-              <a:uFill>
-                <a:solidFill>
-                  <a:srgbClr val="ffffff"/>
-                </a:solidFill>
-              </a:uFill>
-              <a:latin typeface="Calibri"/>
-            </a:endParaRPr>
-          </a:p>
-        </p:txBody>
-      </p:sp>
-      <p:sp>
-        <p:nvSpPr>
-          <p:cNvPr id="6" name="PlaceHolder 2"/>
+            <a:pPr algn="ctr"/>
+            <a:endParaRPr b="0" lang="pt-BR" sz="4400" spc="-1" strike="noStrike">
+              <a:solidFill>
+                <a:srgbClr val="000000"/>
+              </a:solidFill>
+              <a:uFill>
+                <a:solidFill>
+                  <a:srgbClr val="ffffff"/>
+                </a:solidFill>
+              </a:uFill>
+              <a:latin typeface="Arial"/>
+            </a:endParaRPr>
+          </a:p>
+        </p:txBody>
+      </p:sp>
+      <p:sp>
+        <p:nvSpPr>
+          <p:cNvPr id="3" name="PlaceHolder 2"/>
           <p:cNvSpPr>
             <a:spLocks noGrp="1"/>
           </p:cNvSpPr>
@@ -680,7 +684,7 @@
       </p:grpSpPr>
       <p:sp>
         <p:nvSpPr>
-          <p:cNvPr id="7" name="PlaceHolder 1"/>
+          <p:cNvPr id="4" name="PlaceHolder 1"/>
           <p:cNvSpPr>
             <a:spLocks noGrp="1"/>
           </p:cNvSpPr>
@@ -691,7 +695,7 @@
         <p:spPr>
           <a:xfrm>
             <a:off x="685800" y="1122480"/>
-            <a:ext cx="7772040" cy="2387160"/>
+            <a:ext cx="7771680" cy="2386800"/>
           </a:xfrm>
           <a:prstGeom prst="rect">
             <a:avLst/>
@@ -700,23 +704,24 @@
         <p:txBody>
           <a:bodyPr lIns="0" rIns="0" tIns="0" bIns="0" anchor="ctr"/>
           <a:p>
-            <a:endParaRPr b="0" lang="pt-BR" sz="1800" spc="-1" strike="noStrike">
-              <a:solidFill>
-                <a:srgbClr val="000000"/>
-              </a:solidFill>
-              <a:uFill>
-                <a:solidFill>
-                  <a:srgbClr val="ffffff"/>
-                </a:solidFill>
-              </a:uFill>
-              <a:latin typeface="Calibri"/>
-            </a:endParaRPr>
-          </a:p>
-        </p:txBody>
-      </p:sp>
-      <p:sp>
-        <p:nvSpPr>
-          <p:cNvPr id="8" name="PlaceHolder 2"/>
+            <a:pPr algn="ctr"/>
+            <a:endParaRPr b="0" lang="pt-BR" sz="4400" spc="-1" strike="noStrike">
+              <a:solidFill>
+                <a:srgbClr val="000000"/>
+              </a:solidFill>
+              <a:uFill>
+                <a:solidFill>
+                  <a:srgbClr val="ffffff"/>
+                </a:solidFill>
+              </a:uFill>
+              <a:latin typeface="Arial"/>
+            </a:endParaRPr>
+          </a:p>
+        </p:txBody>
+      </p:sp>
+      <p:sp>
+        <p:nvSpPr>
+          <p:cNvPr id="5" name="PlaceHolder 2"/>
           <p:cNvSpPr>
             <a:spLocks noGrp="1"/>
           </p:cNvSpPr>
@@ -738,16 +743,16 @@
             <a:normAutofit/>
           </a:bodyPr>
           <a:p>
-            <a:endParaRPr b="0" lang="pt-BR" sz="2800" spc="-1" strike="noStrike">
-              <a:solidFill>
-                <a:srgbClr val="000000"/>
-              </a:solidFill>
-              <a:uFill>
-                <a:solidFill>
-                  <a:srgbClr val="ffffff"/>
-                </a:solidFill>
-              </a:uFill>
-              <a:latin typeface="Calibri"/>
+            <a:endParaRPr b="0" lang="pt-BR" sz="3200" spc="-1" strike="noStrike">
+              <a:solidFill>
+                <a:srgbClr val="000000"/>
+              </a:solidFill>
+              <a:uFill>
+                <a:solidFill>
+                  <a:srgbClr val="ffffff"/>
+                </a:solidFill>
+              </a:uFill>
+              <a:latin typeface="Arial"/>
             </a:endParaRPr>
           </a:p>
         </p:txBody>
@@ -776,7 +781,7 @@
       </p:grpSpPr>
       <p:sp>
         <p:nvSpPr>
-          <p:cNvPr id="9" name="PlaceHolder 1"/>
+          <p:cNvPr id="6" name="PlaceHolder 1"/>
           <p:cNvSpPr>
             <a:spLocks noGrp="1"/>
           </p:cNvSpPr>
@@ -787,7 +792,7 @@
         <p:spPr>
           <a:xfrm>
             <a:off x="685800" y="1122480"/>
-            <a:ext cx="7772040" cy="2387160"/>
+            <a:ext cx="7771680" cy="2386800"/>
           </a:xfrm>
           <a:prstGeom prst="rect">
             <a:avLst/>
@@ -796,23 +801,24 @@
         <p:txBody>
           <a:bodyPr lIns="0" rIns="0" tIns="0" bIns="0" anchor="ctr"/>
           <a:p>
-            <a:endParaRPr b="0" lang="pt-BR" sz="1800" spc="-1" strike="noStrike">
-              <a:solidFill>
-                <a:srgbClr val="000000"/>
-              </a:solidFill>
-              <a:uFill>
-                <a:solidFill>
-                  <a:srgbClr val="ffffff"/>
-                </a:solidFill>
-              </a:uFill>
-              <a:latin typeface="Calibri"/>
-            </a:endParaRPr>
-          </a:p>
-        </p:txBody>
-      </p:sp>
-      <p:sp>
-        <p:nvSpPr>
-          <p:cNvPr id="10" name="PlaceHolder 2"/>
+            <a:pPr algn="ctr"/>
+            <a:endParaRPr b="0" lang="pt-BR" sz="4400" spc="-1" strike="noStrike">
+              <a:solidFill>
+                <a:srgbClr val="000000"/>
+              </a:solidFill>
+              <a:uFill>
+                <a:solidFill>
+                  <a:srgbClr val="ffffff"/>
+                </a:solidFill>
+              </a:uFill>
+              <a:latin typeface="Arial"/>
+            </a:endParaRPr>
+          </a:p>
+        </p:txBody>
+      </p:sp>
+      <p:sp>
+        <p:nvSpPr>
+          <p:cNvPr id="7" name="PlaceHolder 2"/>
           <p:cNvSpPr>
             <a:spLocks noGrp="1"/>
           </p:cNvSpPr>
@@ -834,23 +840,23 @@
             <a:normAutofit/>
           </a:bodyPr>
           <a:p>
-            <a:endParaRPr b="0" lang="pt-BR" sz="2800" spc="-1" strike="noStrike">
-              <a:solidFill>
-                <a:srgbClr val="000000"/>
-              </a:solidFill>
-              <a:uFill>
-                <a:solidFill>
-                  <a:srgbClr val="ffffff"/>
-                </a:solidFill>
-              </a:uFill>
-              <a:latin typeface="Calibri"/>
-            </a:endParaRPr>
-          </a:p>
-        </p:txBody>
-      </p:sp>
-      <p:sp>
-        <p:nvSpPr>
-          <p:cNvPr id="11" name="PlaceHolder 3"/>
+            <a:endParaRPr b="0" lang="pt-BR" sz="3200" spc="-1" strike="noStrike">
+              <a:solidFill>
+                <a:srgbClr val="000000"/>
+              </a:solidFill>
+              <a:uFill>
+                <a:solidFill>
+                  <a:srgbClr val="ffffff"/>
+                </a:solidFill>
+              </a:uFill>
+              <a:latin typeface="Arial"/>
+            </a:endParaRPr>
+          </a:p>
+        </p:txBody>
+      </p:sp>
+      <p:sp>
+        <p:nvSpPr>
+          <p:cNvPr id="8" name="PlaceHolder 3"/>
           <p:cNvSpPr>
             <a:spLocks noGrp="1"/>
           </p:cNvSpPr>
@@ -872,16 +878,16 @@
             <a:normAutofit/>
           </a:bodyPr>
           <a:p>
-            <a:endParaRPr b="0" lang="pt-BR" sz="2800" spc="-1" strike="noStrike">
-              <a:solidFill>
-                <a:srgbClr val="000000"/>
-              </a:solidFill>
-              <a:uFill>
-                <a:solidFill>
-                  <a:srgbClr val="ffffff"/>
-                </a:solidFill>
-              </a:uFill>
-              <a:latin typeface="Calibri"/>
+            <a:endParaRPr b="0" lang="pt-BR" sz="3200" spc="-1" strike="noStrike">
+              <a:solidFill>
+                <a:srgbClr val="000000"/>
+              </a:solidFill>
+              <a:uFill>
+                <a:solidFill>
+                  <a:srgbClr val="ffffff"/>
+                </a:solidFill>
+              </a:uFill>
+              <a:latin typeface="Arial"/>
             </a:endParaRPr>
           </a:p>
         </p:txBody>
@@ -910,7 +916,7 @@
       </p:grpSpPr>
       <p:sp>
         <p:nvSpPr>
-          <p:cNvPr id="12" name="PlaceHolder 1"/>
+          <p:cNvPr id="9" name="PlaceHolder 1"/>
           <p:cNvSpPr>
             <a:spLocks noGrp="1"/>
           </p:cNvSpPr>
@@ -921,7 +927,7 @@
         <p:spPr>
           <a:xfrm>
             <a:off x="685800" y="1122480"/>
-            <a:ext cx="7772040" cy="2387160"/>
+            <a:ext cx="7771680" cy="2386800"/>
           </a:xfrm>
           <a:prstGeom prst="rect">
             <a:avLst/>
@@ -930,16 +936,17 @@
         <p:txBody>
           <a:bodyPr lIns="0" rIns="0" tIns="0" bIns="0" anchor="ctr"/>
           <a:p>
-            <a:endParaRPr b="0" lang="pt-BR" sz="1800" spc="-1" strike="noStrike">
-              <a:solidFill>
-                <a:srgbClr val="000000"/>
-              </a:solidFill>
-              <a:uFill>
-                <a:solidFill>
-                  <a:srgbClr val="ffffff"/>
-                </a:solidFill>
-              </a:uFill>
-              <a:latin typeface="Calibri"/>
+            <a:pPr algn="ctr"/>
+            <a:endParaRPr b="0" lang="pt-BR" sz="4400" spc="-1" strike="noStrike">
+              <a:solidFill>
+                <a:srgbClr val="000000"/>
+              </a:solidFill>
+              <a:uFill>
+                <a:solidFill>
+                  <a:srgbClr val="ffffff"/>
+                </a:solidFill>
+              </a:uFill>
+              <a:latin typeface="Arial"/>
             </a:endParaRPr>
           </a:p>
         </p:txBody>
@@ -968,7 +975,7 @@
       </p:grpSpPr>
       <p:sp>
         <p:nvSpPr>
-          <p:cNvPr id="13" name="PlaceHolder 1"/>
+          <p:cNvPr id="10" name="PlaceHolder 1"/>
           <p:cNvSpPr>
             <a:spLocks noGrp="1"/>
           </p:cNvSpPr>
@@ -979,7 +986,7 @@
         <p:spPr>
           <a:xfrm>
             <a:off x="685800" y="1122480"/>
-            <a:ext cx="7772040" cy="11066760"/>
+            <a:ext cx="7771680" cy="11064960"/>
           </a:xfrm>
           <a:prstGeom prst="rect">
             <a:avLst/>
@@ -1027,7 +1034,7 @@
       </p:grpSpPr>
       <p:sp>
         <p:nvSpPr>
-          <p:cNvPr id="14" name="PlaceHolder 1"/>
+          <p:cNvPr id="11" name="PlaceHolder 1"/>
           <p:cNvSpPr>
             <a:spLocks noGrp="1"/>
           </p:cNvSpPr>
@@ -1038,7 +1045,7 @@
         <p:spPr>
           <a:xfrm>
             <a:off x="685800" y="1122480"/>
-            <a:ext cx="7772040" cy="2387160"/>
+            <a:ext cx="7771680" cy="2386800"/>
           </a:xfrm>
           <a:prstGeom prst="rect">
             <a:avLst/>
@@ -1047,23 +1054,24 @@
         <p:txBody>
           <a:bodyPr lIns="0" rIns="0" tIns="0" bIns="0" anchor="ctr"/>
           <a:p>
-            <a:endParaRPr b="0" lang="pt-BR" sz="1800" spc="-1" strike="noStrike">
-              <a:solidFill>
-                <a:srgbClr val="000000"/>
-              </a:solidFill>
-              <a:uFill>
-                <a:solidFill>
-                  <a:srgbClr val="ffffff"/>
-                </a:solidFill>
-              </a:uFill>
-              <a:latin typeface="Calibri"/>
-            </a:endParaRPr>
-          </a:p>
-        </p:txBody>
-      </p:sp>
-      <p:sp>
-        <p:nvSpPr>
-          <p:cNvPr id="15" name="PlaceHolder 2"/>
+            <a:pPr algn="ctr"/>
+            <a:endParaRPr b="0" lang="pt-BR" sz="4400" spc="-1" strike="noStrike">
+              <a:solidFill>
+                <a:srgbClr val="000000"/>
+              </a:solidFill>
+              <a:uFill>
+                <a:solidFill>
+                  <a:srgbClr val="ffffff"/>
+                </a:solidFill>
+              </a:uFill>
+              <a:latin typeface="Arial"/>
+            </a:endParaRPr>
+          </a:p>
+        </p:txBody>
+      </p:sp>
+      <p:sp>
+        <p:nvSpPr>
+          <p:cNvPr id="12" name="PlaceHolder 2"/>
           <p:cNvSpPr>
             <a:spLocks noGrp="1"/>
           </p:cNvSpPr>
@@ -1085,23 +1093,23 @@
             <a:normAutofit/>
           </a:bodyPr>
           <a:p>
-            <a:endParaRPr b="0" lang="pt-BR" sz="2800" spc="-1" strike="noStrike">
-              <a:solidFill>
-                <a:srgbClr val="000000"/>
-              </a:solidFill>
-              <a:uFill>
-                <a:solidFill>
-                  <a:srgbClr val="ffffff"/>
-                </a:solidFill>
-              </a:uFill>
-              <a:latin typeface="Calibri"/>
-            </a:endParaRPr>
-          </a:p>
-        </p:txBody>
-      </p:sp>
-      <p:sp>
-        <p:nvSpPr>
-          <p:cNvPr id="16" name="PlaceHolder 3"/>
+            <a:endParaRPr b="0" lang="pt-BR" sz="3200" spc="-1" strike="noStrike">
+              <a:solidFill>
+                <a:srgbClr val="000000"/>
+              </a:solidFill>
+              <a:uFill>
+                <a:solidFill>
+                  <a:srgbClr val="ffffff"/>
+                </a:solidFill>
+              </a:uFill>
+              <a:latin typeface="Arial"/>
+            </a:endParaRPr>
+          </a:p>
+        </p:txBody>
+      </p:sp>
+      <p:sp>
+        <p:nvSpPr>
+          <p:cNvPr id="13" name="PlaceHolder 3"/>
           <p:cNvSpPr>
             <a:spLocks noGrp="1"/>
           </p:cNvSpPr>
@@ -1123,23 +1131,23 @@
             <a:normAutofit/>
           </a:bodyPr>
           <a:p>
-            <a:endParaRPr b="0" lang="pt-BR" sz="2800" spc="-1" strike="noStrike">
-              <a:solidFill>
-                <a:srgbClr val="000000"/>
-              </a:solidFill>
-              <a:uFill>
-                <a:solidFill>
-                  <a:srgbClr val="ffffff"/>
-                </a:solidFill>
-              </a:uFill>
-              <a:latin typeface="Calibri"/>
-            </a:endParaRPr>
-          </a:p>
-        </p:txBody>
-      </p:sp>
-      <p:sp>
-        <p:nvSpPr>
-          <p:cNvPr id="17" name="PlaceHolder 4"/>
+            <a:endParaRPr b="0" lang="pt-BR" sz="3200" spc="-1" strike="noStrike">
+              <a:solidFill>
+                <a:srgbClr val="000000"/>
+              </a:solidFill>
+              <a:uFill>
+                <a:solidFill>
+                  <a:srgbClr val="ffffff"/>
+                </a:solidFill>
+              </a:uFill>
+              <a:latin typeface="Arial"/>
+            </a:endParaRPr>
+          </a:p>
+        </p:txBody>
+      </p:sp>
+      <p:sp>
+        <p:nvSpPr>
+          <p:cNvPr id="14" name="PlaceHolder 4"/>
           <p:cNvSpPr>
             <a:spLocks noGrp="1"/>
           </p:cNvSpPr>
@@ -1161,16 +1169,16 @@
             <a:normAutofit/>
           </a:bodyPr>
           <a:p>
-            <a:endParaRPr b="0" lang="pt-BR" sz="2800" spc="-1" strike="noStrike">
-              <a:solidFill>
-                <a:srgbClr val="000000"/>
-              </a:solidFill>
-              <a:uFill>
-                <a:solidFill>
-                  <a:srgbClr val="ffffff"/>
-                </a:solidFill>
-              </a:uFill>
-              <a:latin typeface="Calibri"/>
+            <a:endParaRPr b="0" lang="pt-BR" sz="3200" spc="-1" strike="noStrike">
+              <a:solidFill>
+                <a:srgbClr val="000000"/>
+              </a:solidFill>
+              <a:uFill>
+                <a:solidFill>
+                  <a:srgbClr val="ffffff"/>
+                </a:solidFill>
+              </a:uFill>
+              <a:latin typeface="Arial"/>
             </a:endParaRPr>
           </a:p>
         </p:txBody>
@@ -1199,7 +1207,7 @@
       </p:grpSpPr>
       <p:sp>
         <p:nvSpPr>
-          <p:cNvPr id="18" name="PlaceHolder 1"/>
+          <p:cNvPr id="15" name="PlaceHolder 1"/>
           <p:cNvSpPr>
             <a:spLocks noGrp="1"/>
           </p:cNvSpPr>
@@ -1210,7 +1218,7 @@
         <p:spPr>
           <a:xfrm>
             <a:off x="685800" y="1122480"/>
-            <a:ext cx="7772040" cy="2387160"/>
+            <a:ext cx="7771680" cy="2386800"/>
           </a:xfrm>
           <a:prstGeom prst="rect">
             <a:avLst/>
@@ -1219,23 +1227,24 @@
         <p:txBody>
           <a:bodyPr lIns="0" rIns="0" tIns="0" bIns="0" anchor="ctr"/>
           <a:p>
-            <a:endParaRPr b="0" lang="pt-BR" sz="1800" spc="-1" strike="noStrike">
-              <a:solidFill>
-                <a:srgbClr val="000000"/>
-              </a:solidFill>
-              <a:uFill>
-                <a:solidFill>
-                  <a:srgbClr val="ffffff"/>
-                </a:solidFill>
-              </a:uFill>
-              <a:latin typeface="Calibri"/>
-            </a:endParaRPr>
-          </a:p>
-        </p:txBody>
-      </p:sp>
-      <p:sp>
-        <p:nvSpPr>
-          <p:cNvPr id="19" name="PlaceHolder 2"/>
+            <a:pPr algn="ctr"/>
+            <a:endParaRPr b="0" lang="pt-BR" sz="4400" spc="-1" strike="noStrike">
+              <a:solidFill>
+                <a:srgbClr val="000000"/>
+              </a:solidFill>
+              <a:uFill>
+                <a:solidFill>
+                  <a:srgbClr val="ffffff"/>
+                </a:solidFill>
+              </a:uFill>
+              <a:latin typeface="Arial"/>
+            </a:endParaRPr>
+          </a:p>
+        </p:txBody>
+      </p:sp>
+      <p:sp>
+        <p:nvSpPr>
+          <p:cNvPr id="16" name="PlaceHolder 2"/>
           <p:cNvSpPr>
             <a:spLocks noGrp="1"/>
           </p:cNvSpPr>
@@ -1257,23 +1266,23 @@
             <a:normAutofit/>
           </a:bodyPr>
           <a:p>
-            <a:endParaRPr b="0" lang="pt-BR" sz="2800" spc="-1" strike="noStrike">
-              <a:solidFill>
-                <a:srgbClr val="000000"/>
-              </a:solidFill>
-              <a:uFill>
-                <a:solidFill>
-                  <a:srgbClr val="ffffff"/>
-                </a:solidFill>
-              </a:uFill>
-              <a:latin typeface="Calibri"/>
-            </a:endParaRPr>
-          </a:p>
-        </p:txBody>
-      </p:sp>
-      <p:sp>
-        <p:nvSpPr>
-          <p:cNvPr id="20" name="PlaceHolder 3"/>
+            <a:endParaRPr b="0" lang="pt-BR" sz="3200" spc="-1" strike="noStrike">
+              <a:solidFill>
+                <a:srgbClr val="000000"/>
+              </a:solidFill>
+              <a:uFill>
+                <a:solidFill>
+                  <a:srgbClr val="ffffff"/>
+                </a:solidFill>
+              </a:uFill>
+              <a:latin typeface="Arial"/>
+            </a:endParaRPr>
+          </a:p>
+        </p:txBody>
+      </p:sp>
+      <p:sp>
+        <p:nvSpPr>
+          <p:cNvPr id="17" name="PlaceHolder 3"/>
           <p:cNvSpPr>
             <a:spLocks noGrp="1"/>
           </p:cNvSpPr>
@@ -1295,23 +1304,23 @@
             <a:normAutofit/>
           </a:bodyPr>
           <a:p>
-            <a:endParaRPr b="0" lang="pt-BR" sz="2800" spc="-1" strike="noStrike">
-              <a:solidFill>
-                <a:srgbClr val="000000"/>
-              </a:solidFill>
-              <a:uFill>
-                <a:solidFill>
-                  <a:srgbClr val="ffffff"/>
-                </a:solidFill>
-              </a:uFill>
-              <a:latin typeface="Calibri"/>
-            </a:endParaRPr>
-          </a:p>
-        </p:txBody>
-      </p:sp>
-      <p:sp>
-        <p:nvSpPr>
-          <p:cNvPr id="21" name="PlaceHolder 4"/>
+            <a:endParaRPr b="0" lang="pt-BR" sz="3200" spc="-1" strike="noStrike">
+              <a:solidFill>
+                <a:srgbClr val="000000"/>
+              </a:solidFill>
+              <a:uFill>
+                <a:solidFill>
+                  <a:srgbClr val="ffffff"/>
+                </a:solidFill>
+              </a:uFill>
+              <a:latin typeface="Arial"/>
+            </a:endParaRPr>
+          </a:p>
+        </p:txBody>
+      </p:sp>
+      <p:sp>
+        <p:nvSpPr>
+          <p:cNvPr id="18" name="PlaceHolder 4"/>
           <p:cNvSpPr>
             <a:spLocks noGrp="1"/>
           </p:cNvSpPr>
@@ -1333,16 +1342,16 @@
             <a:normAutofit/>
           </a:bodyPr>
           <a:p>
-            <a:endParaRPr b="0" lang="pt-BR" sz="2800" spc="-1" strike="noStrike">
-              <a:solidFill>
-                <a:srgbClr val="000000"/>
-              </a:solidFill>
-              <a:uFill>
-                <a:solidFill>
-                  <a:srgbClr val="ffffff"/>
-                </a:solidFill>
-              </a:uFill>
-              <a:latin typeface="Calibri"/>
+            <a:endParaRPr b="0" lang="pt-BR" sz="3200" spc="-1" strike="noStrike">
+              <a:solidFill>
+                <a:srgbClr val="000000"/>
+              </a:solidFill>
+              <a:uFill>
+                <a:solidFill>
+                  <a:srgbClr val="ffffff"/>
+                </a:solidFill>
+              </a:uFill>
+              <a:latin typeface="Arial"/>
             </a:endParaRPr>
           </a:p>
         </p:txBody>
@@ -1371,7 +1380,7 @@
       </p:grpSpPr>
       <p:sp>
         <p:nvSpPr>
-          <p:cNvPr id="22" name="PlaceHolder 1"/>
+          <p:cNvPr id="19" name="PlaceHolder 1"/>
           <p:cNvSpPr>
             <a:spLocks noGrp="1"/>
           </p:cNvSpPr>
@@ -1382,7 +1391,7 @@
         <p:spPr>
           <a:xfrm>
             <a:off x="685800" y="1122480"/>
-            <a:ext cx="7772040" cy="2387160"/>
+            <a:ext cx="7771680" cy="2386800"/>
           </a:xfrm>
           <a:prstGeom prst="rect">
             <a:avLst/>
@@ -1391,23 +1400,24 @@
         <p:txBody>
           <a:bodyPr lIns="0" rIns="0" tIns="0" bIns="0" anchor="ctr"/>
           <a:p>
-            <a:endParaRPr b="0" lang="pt-BR" sz="1800" spc="-1" strike="noStrike">
-              <a:solidFill>
-                <a:srgbClr val="000000"/>
-              </a:solidFill>
-              <a:uFill>
-                <a:solidFill>
-                  <a:srgbClr val="ffffff"/>
-                </a:solidFill>
-              </a:uFill>
-              <a:latin typeface="Calibri"/>
-            </a:endParaRPr>
-          </a:p>
-        </p:txBody>
-      </p:sp>
-      <p:sp>
-        <p:nvSpPr>
-          <p:cNvPr id="23" name="PlaceHolder 2"/>
+            <a:pPr algn="ctr"/>
+            <a:endParaRPr b="0" lang="pt-BR" sz="4400" spc="-1" strike="noStrike">
+              <a:solidFill>
+                <a:srgbClr val="000000"/>
+              </a:solidFill>
+              <a:uFill>
+                <a:solidFill>
+                  <a:srgbClr val="ffffff"/>
+                </a:solidFill>
+              </a:uFill>
+              <a:latin typeface="Arial"/>
+            </a:endParaRPr>
+          </a:p>
+        </p:txBody>
+      </p:sp>
+      <p:sp>
+        <p:nvSpPr>
+          <p:cNvPr id="20" name="PlaceHolder 2"/>
           <p:cNvSpPr>
             <a:spLocks noGrp="1"/>
           </p:cNvSpPr>
@@ -1429,23 +1439,23 @@
             <a:normAutofit/>
           </a:bodyPr>
           <a:p>
-            <a:endParaRPr b="0" lang="pt-BR" sz="2800" spc="-1" strike="noStrike">
-              <a:solidFill>
-                <a:srgbClr val="000000"/>
-              </a:solidFill>
-              <a:uFill>
-                <a:solidFill>
-                  <a:srgbClr val="ffffff"/>
-                </a:solidFill>
-              </a:uFill>
-              <a:latin typeface="Calibri"/>
-            </a:endParaRPr>
-          </a:p>
-        </p:txBody>
-      </p:sp>
-      <p:sp>
-        <p:nvSpPr>
-          <p:cNvPr id="24" name="PlaceHolder 3"/>
+            <a:endParaRPr b="0" lang="pt-BR" sz="3200" spc="-1" strike="noStrike">
+              <a:solidFill>
+                <a:srgbClr val="000000"/>
+              </a:solidFill>
+              <a:uFill>
+                <a:solidFill>
+                  <a:srgbClr val="ffffff"/>
+                </a:solidFill>
+              </a:uFill>
+              <a:latin typeface="Arial"/>
+            </a:endParaRPr>
+          </a:p>
+        </p:txBody>
+      </p:sp>
+      <p:sp>
+        <p:nvSpPr>
+          <p:cNvPr id="21" name="PlaceHolder 3"/>
           <p:cNvSpPr>
             <a:spLocks noGrp="1"/>
           </p:cNvSpPr>
@@ -1467,23 +1477,23 @@
             <a:normAutofit/>
           </a:bodyPr>
           <a:p>
-            <a:endParaRPr b="0" lang="pt-BR" sz="2800" spc="-1" strike="noStrike">
-              <a:solidFill>
-                <a:srgbClr val="000000"/>
-              </a:solidFill>
-              <a:uFill>
-                <a:solidFill>
-                  <a:srgbClr val="ffffff"/>
-                </a:solidFill>
-              </a:uFill>
-              <a:latin typeface="Calibri"/>
-            </a:endParaRPr>
-          </a:p>
-        </p:txBody>
-      </p:sp>
-      <p:sp>
-        <p:nvSpPr>
-          <p:cNvPr id="25" name="PlaceHolder 4"/>
+            <a:endParaRPr b="0" lang="pt-BR" sz="3200" spc="-1" strike="noStrike">
+              <a:solidFill>
+                <a:srgbClr val="000000"/>
+              </a:solidFill>
+              <a:uFill>
+                <a:solidFill>
+                  <a:srgbClr val="ffffff"/>
+                </a:solidFill>
+              </a:uFill>
+              <a:latin typeface="Arial"/>
+            </a:endParaRPr>
+          </a:p>
+        </p:txBody>
+      </p:sp>
+      <p:sp>
+        <p:nvSpPr>
+          <p:cNvPr id="22" name="PlaceHolder 4"/>
           <p:cNvSpPr>
             <a:spLocks noGrp="1"/>
           </p:cNvSpPr>
@@ -1505,16 +1515,16 @@
             <a:normAutofit/>
           </a:bodyPr>
           <a:p>
-            <a:endParaRPr b="0" lang="pt-BR" sz="2800" spc="-1" strike="noStrike">
-              <a:solidFill>
-                <a:srgbClr val="000000"/>
-              </a:solidFill>
-              <a:uFill>
-                <a:solidFill>
-                  <a:srgbClr val="ffffff"/>
-                </a:solidFill>
-              </a:uFill>
-              <a:latin typeface="Calibri"/>
+            <a:endParaRPr b="0" lang="pt-BR" sz="3200" spc="-1" strike="noStrike">
+              <a:solidFill>
+                <a:srgbClr val="000000"/>
+              </a:solidFill>
+              <a:uFill>
+                <a:solidFill>
+                  <a:srgbClr val="ffffff"/>
+                </a:solidFill>
+              </a:uFill>
+              <a:latin typeface="Arial"/>
             </a:endParaRPr>
           </a:p>
         </p:txBody>
@@ -1561,22 +1571,17 @@
         <p:spPr>
           <a:xfrm>
             <a:off x="685800" y="1122480"/>
-            <a:ext cx="7772040" cy="2387160"/>
-          </a:xfrm>
-          <a:prstGeom prst="rect">
-            <a:avLst/>
-          </a:prstGeom>
-        </p:spPr>
-        <p:txBody>
-          <a:bodyPr anchor="b"/>
-          <a:p>
-            <a:pPr algn="ctr">
-              <a:lnSpc>
-                <a:spcPct val="100000"/>
-              </a:lnSpc>
-            </a:pPr>
+            <a:ext cx="7771680" cy="2386800"/>
+          </a:xfrm>
+          <a:prstGeom prst="rect">
+            <a:avLst/>
+          </a:prstGeom>
+        </p:spPr>
+        <p:txBody>
+          <a:bodyPr lIns="0" rIns="0" tIns="0" bIns="0" anchor="ctr"/>
+          <a:p>
             <a:r>
-              <a:rPr b="0" lang="pt-BR" sz="6000" spc="-1" strike="noStrike">
+              <a:rPr b="0" lang="pt-BR" sz="1800" spc="-1" strike="noStrike">
                 <a:solidFill>
                   <a:srgbClr val="000000"/>
                 </a:solidFill>
@@ -1585,20 +1590,20 @@
                     <a:srgbClr val="ffffff"/>
                   </a:solidFill>
                 </a:uFill>
-                <a:latin typeface="Calibri Light"/>
+                <a:latin typeface="Arial"/>
               </a:rPr>
-              <a:t>Clique para editar o título mestre</a:t>
+              <a:t>Clique para editar o formato do texto do título</a:t>
             </a:r>
-            <a:endParaRPr b="0" lang="pt-BR" sz="6000" spc="-1" strike="noStrike">
-              <a:solidFill>
-                <a:srgbClr val="000000"/>
-              </a:solidFill>
-              <a:uFill>
-                <a:solidFill>
-                  <a:srgbClr val="ffffff"/>
-                </a:solidFill>
-              </a:uFill>
-              <a:latin typeface="Calibri"/>
+            <a:endParaRPr b="0" lang="pt-BR" sz="1800" spc="-1" strike="noStrike">
+              <a:solidFill>
+                <a:srgbClr val="000000"/>
+              </a:solidFill>
+              <a:uFill>
+                <a:solidFill>
+                  <a:srgbClr val="ffffff"/>
+                </a:solidFill>
+              </a:uFill>
+              <a:latin typeface="Arial"/>
             </a:endParaRPr>
           </a:p>
         </p:txBody>
@@ -1606,152 +1611,6 @@
       <p:sp>
         <p:nvSpPr>
           <p:cNvPr id="1" name="PlaceHolder 2"/>
-          <p:cNvSpPr>
-            <a:spLocks noGrp="1"/>
-          </p:cNvSpPr>
-          <p:nvPr>
-            <p:ph type="dt"/>
-          </p:nvPr>
-        </p:nvSpPr>
-        <p:spPr>
-          <a:xfrm>
-            <a:off x="628560" y="6356520"/>
-            <a:ext cx="2057040" cy="364680"/>
-          </a:xfrm>
-          <a:prstGeom prst="rect">
-            <a:avLst/>
-          </a:prstGeom>
-        </p:spPr>
-        <p:txBody>
-          <a:bodyPr anchor="ctr"/>
-          <a:p>
-            <a:pPr>
-              <a:lnSpc>
-                <a:spcPct val="100000"/>
-              </a:lnSpc>
-            </a:pPr>
-            <a:fld id="{A2D37F11-683C-4539-A594-0C31A09D2BBC}" type="datetime">
-              <a:rPr b="0" lang="pt-BR" sz="1200" spc="-1" strike="noStrike">
-                <a:solidFill>
-                  <a:srgbClr val="8b8b8b"/>
-                </a:solidFill>
-                <a:uFill>
-                  <a:solidFill>
-                    <a:srgbClr val="ffffff"/>
-                  </a:solidFill>
-                </a:uFill>
-                <a:latin typeface="Calibri"/>
-              </a:rPr>
-              <a:t>18/06/18</a:t>
-            </a:fld>
-            <a:endParaRPr b="0" lang="pt-BR" sz="1200" spc="-1" strike="noStrike">
-              <a:solidFill>
-                <a:srgbClr val="000000"/>
-              </a:solidFill>
-              <a:uFill>
-                <a:solidFill>
-                  <a:srgbClr val="ffffff"/>
-                </a:solidFill>
-              </a:uFill>
-              <a:latin typeface="Times New Roman"/>
-            </a:endParaRPr>
-          </a:p>
-        </p:txBody>
-      </p:sp>
-      <p:sp>
-        <p:nvSpPr>
-          <p:cNvPr id="2" name="PlaceHolder 3"/>
-          <p:cNvSpPr>
-            <a:spLocks noGrp="1"/>
-          </p:cNvSpPr>
-          <p:nvPr>
-            <p:ph type="ftr"/>
-          </p:nvPr>
-        </p:nvSpPr>
-        <p:spPr>
-          <a:xfrm>
-            <a:off x="3029040" y="6356520"/>
-            <a:ext cx="3085920" cy="364680"/>
-          </a:xfrm>
-          <a:prstGeom prst="rect">
-            <a:avLst/>
-          </a:prstGeom>
-        </p:spPr>
-        <p:txBody>
-          <a:bodyPr anchor="ctr"/>
-          <a:p>
-            <a:endParaRPr b="0" lang="pt-BR" sz="2400" spc="-1" strike="noStrike">
-              <a:solidFill>
-                <a:srgbClr val="000000"/>
-              </a:solidFill>
-              <a:uFill>
-                <a:solidFill>
-                  <a:srgbClr val="ffffff"/>
-                </a:solidFill>
-              </a:uFill>
-              <a:latin typeface="Times New Roman"/>
-            </a:endParaRPr>
-          </a:p>
-        </p:txBody>
-      </p:sp>
-      <p:sp>
-        <p:nvSpPr>
-          <p:cNvPr id="3" name="PlaceHolder 4"/>
-          <p:cNvSpPr>
-            <a:spLocks noGrp="1"/>
-          </p:cNvSpPr>
-          <p:nvPr>
-            <p:ph type="sldNum"/>
-          </p:nvPr>
-        </p:nvSpPr>
-        <p:spPr>
-          <a:xfrm>
-            <a:off x="6458040" y="6356520"/>
-            <a:ext cx="2057040" cy="364680"/>
-          </a:xfrm>
-          <a:prstGeom prst="rect">
-            <a:avLst/>
-          </a:prstGeom>
-        </p:spPr>
-        <p:txBody>
-          <a:bodyPr anchor="ctr"/>
-          <a:p>
-            <a:pPr algn="r">
-              <a:lnSpc>
-                <a:spcPct val="100000"/>
-              </a:lnSpc>
-            </a:pPr>
-            <a:fld id="{3A030A22-2AF6-423E-A56C-947CAF2F1D33}" type="slidenum">
-              <a:rPr b="0" lang="pt-BR" sz="1200" spc="-1" strike="noStrike">
-                <a:solidFill>
-                  <a:srgbClr val="8b8b8b"/>
-                </a:solidFill>
-                <a:uFill>
-                  <a:solidFill>
-                    <a:srgbClr val="ffffff"/>
-                  </a:solidFill>
-                </a:uFill>
-                <a:latin typeface="Calibri"/>
-              </a:rPr>
-              <a:t>&lt;número&gt;</a:t>
-            </a:fld>
-            <a:endParaRPr b="0" lang="pt-BR" sz="1200" spc="-1" strike="noStrike">
-              <a:solidFill>
-                <a:srgbClr val="000000"/>
-              </a:solidFill>
-              <a:uFill>
-                <a:solidFill>
-                  <a:srgbClr val="ffffff"/>
-                </a:solidFill>
-              </a:uFill>
-              <a:latin typeface="Times New Roman"/>
-            </a:endParaRPr>
-          </a:p>
-        </p:txBody>
-      </p:sp>
-      <p:sp>
-        <p:nvSpPr>
-          <p:cNvPr id="4" name="PlaceHolder 5"/>
           <p:cNvSpPr>
             <a:spLocks noGrp="1"/>
           </p:cNvSpPr>
@@ -1785,7 +1644,7 @@
               <a:buChar char=""/>
             </a:pPr>
             <a:r>
-              <a:rPr b="0" lang="pt-BR" sz="2800" spc="-1" strike="noStrike">
+              <a:rPr b="0" lang="pt-BR" sz="3200" spc="-1" strike="noStrike">
                 <a:solidFill>
                   <a:srgbClr val="000000"/>
                 </a:solidFill>
@@ -1794,26 +1653,102 @@
                     <a:srgbClr val="ffffff"/>
                   </a:solidFill>
                 </a:uFill>
-                <a:latin typeface="Calibri"/>
+                <a:latin typeface="Arial"/>
               </a:rPr>
               <a:t>Clique para editar o formato do texto da estrutura de tópicos</a:t>
             </a:r>
-            <a:endParaRPr b="0" lang="pt-BR" sz="2800" spc="-1" strike="noStrike">
-              <a:solidFill>
-                <a:srgbClr val="000000"/>
-              </a:solidFill>
-              <a:uFill>
-                <a:solidFill>
-                  <a:srgbClr val="ffffff"/>
-                </a:solidFill>
-              </a:uFill>
-              <a:latin typeface="Calibri"/>
+            <a:endParaRPr b="0" lang="pt-BR" sz="3200" spc="-1" strike="noStrike">
+              <a:solidFill>
+                <a:srgbClr val="000000"/>
+              </a:solidFill>
+              <a:uFill>
+                <a:solidFill>
+                  <a:srgbClr val="ffffff"/>
+                </a:solidFill>
+              </a:uFill>
+              <a:latin typeface="Arial"/>
             </a:endParaRPr>
           </a:p>
           <a:p>
             <a:pPr lvl="1" marL="864000" indent="-324000">
               <a:spcBef>
                 <a:spcPts val="1134"/>
+              </a:spcBef>
+              <a:buClr>
+                <a:srgbClr val="000000"/>
+              </a:buClr>
+              <a:buSzPct val="75000"/>
+              <a:buFont typeface="Symbol" charset="2"/>
+              <a:buChar char=""/>
+            </a:pPr>
+            <a:r>
+              <a:rPr b="0" lang="pt-BR" sz="2800" spc="-1" strike="noStrike">
+                <a:solidFill>
+                  <a:srgbClr val="000000"/>
+                </a:solidFill>
+                <a:uFill>
+                  <a:solidFill>
+                    <a:srgbClr val="ffffff"/>
+                  </a:solidFill>
+                </a:uFill>
+                <a:latin typeface="Arial"/>
+              </a:rPr>
+              <a:t>2.º nível da estrutura de tópicos</a:t>
+            </a:r>
+            <a:endParaRPr b="0" lang="pt-BR" sz="2800" spc="-1" strike="noStrike">
+              <a:solidFill>
+                <a:srgbClr val="000000"/>
+              </a:solidFill>
+              <a:uFill>
+                <a:solidFill>
+                  <a:srgbClr val="ffffff"/>
+                </a:solidFill>
+              </a:uFill>
+              <a:latin typeface="Arial"/>
+            </a:endParaRPr>
+          </a:p>
+          <a:p>
+            <a:pPr lvl="2" marL="1296000" indent="-288000">
+              <a:spcBef>
+                <a:spcPts val="850"/>
+              </a:spcBef>
+              <a:buClr>
+                <a:srgbClr val="000000"/>
+              </a:buClr>
+              <a:buSzPct val="45000"/>
+              <a:buFont typeface="Wingdings" charset="2"/>
+              <a:buChar char=""/>
+            </a:pPr>
+            <a:r>
+              <a:rPr b="0" lang="pt-BR" sz="2400" spc="-1" strike="noStrike">
+                <a:solidFill>
+                  <a:srgbClr val="000000"/>
+                </a:solidFill>
+                <a:uFill>
+                  <a:solidFill>
+                    <a:srgbClr val="ffffff"/>
+                  </a:solidFill>
+                </a:uFill>
+                <a:latin typeface="Arial"/>
+              </a:rPr>
+              <a:t>3.º nível da estrutura de tópicos</a:t>
+            </a:r>
+            <a:endParaRPr b="0" lang="pt-BR" sz="2400" spc="-1" strike="noStrike">
+              <a:solidFill>
+                <a:srgbClr val="000000"/>
+              </a:solidFill>
+              <a:uFill>
+                <a:solidFill>
+                  <a:srgbClr val="ffffff"/>
+                </a:solidFill>
+              </a:uFill>
+              <a:latin typeface="Arial"/>
+            </a:endParaRPr>
+          </a:p>
+          <a:p>
+            <a:pPr lvl="3" marL="1728000" indent="-216000">
+              <a:spcBef>
+                <a:spcPts val="567"/>
               </a:spcBef>
               <a:buClr>
                 <a:srgbClr val="000000"/>
@@ -1832,96 +1767,20 @@
                     <a:srgbClr val="ffffff"/>
                   </a:solidFill>
                 </a:uFill>
-                <a:latin typeface="Calibri"/>
-              </a:rPr>
-              <a:t>2.º nível da estrutura de tópicos</a:t>
-            </a:r>
-            <a:endParaRPr b="0" lang="pt-BR" sz="2000" spc="-1" strike="noStrike">
-              <a:solidFill>
-                <a:srgbClr val="000000"/>
-              </a:solidFill>
-              <a:uFill>
-                <a:solidFill>
-                  <a:srgbClr val="ffffff"/>
-                </a:solidFill>
-              </a:uFill>
-              <a:latin typeface="Calibri"/>
-            </a:endParaRPr>
-          </a:p>
-          <a:p>
-            <a:pPr lvl="2" marL="1296000" indent="-288000">
-              <a:spcBef>
-                <a:spcPts val="850"/>
-              </a:spcBef>
-              <a:buClr>
-                <a:srgbClr val="000000"/>
-              </a:buClr>
-              <a:buSzPct val="45000"/>
-              <a:buFont typeface="Wingdings" charset="2"/>
-              <a:buChar char=""/>
-            </a:pPr>
-            <a:r>
-              <a:rPr b="0" lang="pt-BR" sz="1800" spc="-1" strike="noStrike">
-                <a:solidFill>
-                  <a:srgbClr val="000000"/>
-                </a:solidFill>
-                <a:uFill>
-                  <a:solidFill>
-                    <a:srgbClr val="ffffff"/>
-                  </a:solidFill>
-                </a:uFill>
-                <a:latin typeface="Calibri"/>
-              </a:rPr>
-              <a:t>3.º nível da estrutura de tópicos</a:t>
-            </a:r>
-            <a:endParaRPr b="0" lang="pt-BR" sz="1800" spc="-1" strike="noStrike">
-              <a:solidFill>
-                <a:srgbClr val="000000"/>
-              </a:solidFill>
-              <a:uFill>
-                <a:solidFill>
-                  <a:srgbClr val="ffffff"/>
-                </a:solidFill>
-              </a:uFill>
-              <a:latin typeface="Calibri"/>
-            </a:endParaRPr>
-          </a:p>
-          <a:p>
-            <a:pPr lvl="3" marL="1728000" indent="-216000">
-              <a:spcBef>
-                <a:spcPts val="567"/>
-              </a:spcBef>
-              <a:buClr>
-                <a:srgbClr val="000000"/>
-              </a:buClr>
-              <a:buSzPct val="75000"/>
-              <a:buFont typeface="Symbol" charset="2"/>
-              <a:buChar char=""/>
-            </a:pPr>
-            <a:r>
-              <a:rPr b="0" lang="pt-BR" sz="1800" spc="-1" strike="noStrike">
-                <a:solidFill>
-                  <a:srgbClr val="000000"/>
-                </a:solidFill>
-                <a:uFill>
-                  <a:solidFill>
-                    <a:srgbClr val="ffffff"/>
-                  </a:solidFill>
-                </a:uFill>
-                <a:latin typeface="Calibri"/>
+                <a:latin typeface="Arial"/>
               </a:rPr>
               <a:t>4.º nível da estrutura de tópicos</a:t>
             </a:r>
-            <a:endParaRPr b="0" lang="pt-BR" sz="1800" spc="-1" strike="noStrike">
-              <a:solidFill>
-                <a:srgbClr val="000000"/>
-              </a:solidFill>
-              <a:uFill>
-                <a:solidFill>
-                  <a:srgbClr val="ffffff"/>
-                </a:solidFill>
-              </a:uFill>
-              <a:latin typeface="Calibri"/>
+            <a:endParaRPr b="0" lang="pt-BR" sz="2000" spc="-1" strike="noStrike">
+              <a:solidFill>
+                <a:srgbClr val="000000"/>
+              </a:solidFill>
+              <a:uFill>
+                <a:solidFill>
+                  <a:srgbClr val="ffffff"/>
+                </a:solidFill>
+              </a:uFill>
+              <a:latin typeface="Arial"/>
             </a:endParaRPr>
           </a:p>
           <a:p>
@@ -1946,7 +1805,7 @@
                     <a:srgbClr val="ffffff"/>
                   </a:solidFill>
                 </a:uFill>
-                <a:latin typeface="Calibri"/>
+                <a:latin typeface="Arial"/>
               </a:rPr>
               <a:t>5.º nível da estrutura de tópicos</a:t>
             </a:r>
@@ -1959,7 +1818,7 @@
                   <a:srgbClr val="ffffff"/>
                 </a:solidFill>
               </a:uFill>
-              <a:latin typeface="Calibri"/>
+              <a:latin typeface="Arial"/>
             </a:endParaRPr>
           </a:p>
           <a:p>
@@ -1984,7 +1843,7 @@
                     <a:srgbClr val="ffffff"/>
                   </a:solidFill>
                 </a:uFill>
-                <a:latin typeface="Calibri"/>
+                <a:latin typeface="Arial"/>
               </a:rPr>
               <a:t>6.º nível da estrutura de tópicos</a:t>
             </a:r>
@@ -1997,7 +1856,7 @@
                   <a:srgbClr val="ffffff"/>
                 </a:solidFill>
               </a:uFill>
-              <a:latin typeface="Calibri"/>
+              <a:latin typeface="Arial"/>
             </a:endParaRPr>
           </a:p>
           <a:p>
@@ -2022,7 +1881,7 @@
                     <a:srgbClr val="ffffff"/>
                   </a:solidFill>
                 </a:uFill>
-                <a:latin typeface="Calibri"/>
+                <a:latin typeface="Arial"/>
               </a:rPr>
               <a:t>7.º nível da estrutura de tópicos</a:t>
             </a:r>
@@ -2035,7 +1894,7 @@
                   <a:srgbClr val="ffffff"/>
                 </a:solidFill>
               </a:uFill>
-              <a:latin typeface="Calibri"/>
+              <a:latin typeface="Arial"/>
             </a:endParaRPr>
           </a:p>
         </p:txBody>
@@ -2079,7 +1938,7 @@
       </p:grpSpPr>
       <p:pic>
         <p:nvPicPr>
-          <p:cNvPr id="39" name="Imagem 3" descr=""/>
+          <p:cNvPr id="36" name="Imagem 3" descr=""/>
           <p:cNvPicPr/>
           <p:nvPr/>
         </p:nvPicPr>
@@ -2090,7 +1949,7 @@
         <p:spPr>
           <a:xfrm>
             <a:off x="0" y="-16200"/>
-            <a:ext cx="9143640" cy="6918840"/>
+            <a:ext cx="9143280" cy="6918480"/>
           </a:xfrm>
           <a:prstGeom prst="rect">
             <a:avLst/>
@@ -2102,14 +1961,14 @@
       </p:pic>
       <p:sp>
         <p:nvSpPr>
-          <p:cNvPr id="40" name="TextShape 1"/>
-          <p:cNvSpPr txBox="1"/>
+          <p:cNvPr id="37" name="CustomShape 1"/>
+          <p:cNvSpPr/>
           <p:nvPr/>
         </p:nvSpPr>
         <p:spPr>
           <a:xfrm>
             <a:off x="755640" y="2925000"/>
-            <a:ext cx="6400440" cy="935640"/>
+            <a:ext cx="6400080" cy="935280"/>
           </a:xfrm>
           <a:prstGeom prst="rect">
             <a:avLst/>
@@ -2119,8 +1978,14 @@
             <a:noFill/>
           </a:ln>
         </p:spPr>
-        <p:txBody>
-          <a:bodyPr>
+        <p:style>
+          <a:lnRef idx="0"/>
+          <a:fillRef idx="0"/>
+          <a:effectRef idx="0"/>
+          <a:fontRef idx="minor"/>
+        </p:style>
+        <p:txBody>
+          <a:bodyPr lIns="90000" rIns="90000" tIns="45000" bIns="45000">
             <a:normAutofit/>
           </a:bodyPr>
           <a:p>
@@ -2176,14 +2041,14 @@
       </p:sp>
       <p:sp>
         <p:nvSpPr>
-          <p:cNvPr id="41" name="CustomShape 2"/>
+          <p:cNvPr id="38" name="CustomShape 2"/>
           <p:cNvSpPr/>
           <p:nvPr/>
         </p:nvSpPr>
         <p:spPr>
           <a:xfrm>
             <a:off x="755640" y="4597200"/>
-            <a:ext cx="7016400" cy="516960"/>
+            <a:ext cx="7016040" cy="516600"/>
           </a:xfrm>
           <a:prstGeom prst="rect">
             <a:avLst/>
@@ -2218,6 +2083,7 @@
                   </a:solidFill>
                 </a:uFill>
                 <a:latin typeface="Century Gothic"/>
+                <a:ea typeface="DejaVu Sans"/>
               </a:rPr>
               <a:t>Software de Recrutamento Interno</a:t>
             </a:r>
@@ -2237,7 +2103,7 @@
       </p:sp>
       <p:pic>
         <p:nvPicPr>
-          <p:cNvPr id="42" name="Picture 2" descr=""/>
+          <p:cNvPr id="39" name="Picture 2" descr=""/>
           <p:cNvPicPr/>
           <p:nvPr/>
         </p:nvPicPr>
@@ -2248,7 +2114,7 @@
         <p:spPr>
           <a:xfrm>
             <a:off x="6255360" y="68760"/>
-            <a:ext cx="2749320" cy="1423080"/>
+            <a:ext cx="2748960" cy="1422720"/>
           </a:xfrm>
           <a:prstGeom prst="rect">
             <a:avLst/>
@@ -2309,7 +2175,7 @@
       </p:grpSpPr>
       <p:pic>
         <p:nvPicPr>
-          <p:cNvPr id="43" name="Imagem 2" descr=""/>
+          <p:cNvPr id="40" name="Imagem 2" descr=""/>
           <p:cNvPicPr/>
           <p:nvPr/>
         </p:nvPicPr>
@@ -2320,7 +2186,7 @@
         <p:spPr>
           <a:xfrm>
             <a:off x="0" y="-48240"/>
-            <a:ext cx="9143640" cy="6941880"/>
+            <a:ext cx="9143280" cy="6941520"/>
           </a:xfrm>
           <a:prstGeom prst="rect">
             <a:avLst/>
@@ -2332,14 +2198,14 @@
       </p:pic>
       <p:sp>
         <p:nvSpPr>
-          <p:cNvPr id="44" name="CustomShape 1"/>
+          <p:cNvPr id="41" name="CustomShape 1"/>
           <p:cNvSpPr/>
           <p:nvPr/>
         </p:nvSpPr>
         <p:spPr>
           <a:xfrm>
             <a:off x="685800" y="2124720"/>
-            <a:ext cx="7072920" cy="1956960"/>
+            <a:ext cx="7072560" cy="1956600"/>
           </a:xfrm>
           <a:prstGeom prst="rect">
             <a:avLst/>
@@ -2379,6 +2245,7 @@
                   </a:solidFill>
                 </a:uFill>
                 <a:latin typeface="Century Gothic"/>
+                <a:ea typeface="DejaVu Sans"/>
               </a:rPr>
               <a:t>Desenvolvimento de aplicações</a:t>
             </a:r>
@@ -2398,14 +2265,14 @@
       </p:sp>
       <p:sp>
         <p:nvSpPr>
-          <p:cNvPr id="45" name="CustomShape 2"/>
+          <p:cNvPr id="42" name="CustomShape 2"/>
           <p:cNvSpPr/>
           <p:nvPr/>
         </p:nvSpPr>
         <p:spPr>
           <a:xfrm>
             <a:off x="685800" y="4657320"/>
-            <a:ext cx="5139360" cy="1079640"/>
+            <a:ext cx="5139000" cy="1079280"/>
           </a:xfrm>
           <a:prstGeom prst="rect">
             <a:avLst/>
@@ -2422,7 +2289,7 @@
           <a:fontRef idx="minor"/>
         </p:style>
         <p:txBody>
-          <a:bodyPr>
+          <a:bodyPr lIns="90000" rIns="90000" tIns="45000" bIns="45000">
             <a:normAutofit/>
           </a:bodyPr>
           <a:p>
@@ -2445,6 +2312,7 @@
                   </a:solidFill>
                 </a:uFill>
                 <a:latin typeface="Calibri"/>
+                <a:ea typeface="DejaVu Sans"/>
               </a:rPr>
               <a:t>Professor: Paulo Cesar de Oliveira</a:t>
             </a:r>
@@ -2464,7 +2332,7 @@
       </p:sp>
       <p:pic>
         <p:nvPicPr>
-          <p:cNvPr id="46" name="Picture 2" descr=""/>
+          <p:cNvPr id="43" name="Picture 2" descr=""/>
           <p:cNvPicPr/>
           <p:nvPr/>
         </p:nvPicPr>
@@ -2475,7 +2343,7 @@
         <p:spPr>
           <a:xfrm>
             <a:off x="6255360" y="68760"/>
-            <a:ext cx="2749320" cy="1423080"/>
+            <a:ext cx="2748960" cy="1422720"/>
           </a:xfrm>
           <a:prstGeom prst="rect">
             <a:avLst/>
@@ -2536,7 +2404,7 @@
       </p:grpSpPr>
       <p:pic>
         <p:nvPicPr>
-          <p:cNvPr id="47" name="Imagem 2" descr=""/>
+          <p:cNvPr id="44" name="Imagem 2" descr=""/>
           <p:cNvPicPr/>
           <p:nvPr/>
         </p:nvPicPr>
@@ -2547,7 +2415,7 @@
         <p:spPr>
           <a:xfrm>
             <a:off x="0" y="-48240"/>
-            <a:ext cx="9143640" cy="6941880"/>
+            <a:ext cx="9143280" cy="6941520"/>
           </a:xfrm>
           <a:prstGeom prst="rect">
             <a:avLst/>
@@ -2559,7 +2427,7 @@
       </p:pic>
       <p:pic>
         <p:nvPicPr>
-          <p:cNvPr id="48" name="Picture 2" descr=""/>
+          <p:cNvPr id="45" name="Picture 2" descr=""/>
           <p:cNvPicPr/>
           <p:nvPr/>
         </p:nvPicPr>
@@ -2570,7 +2438,7 @@
         <p:spPr>
           <a:xfrm>
             <a:off x="6255360" y="68760"/>
-            <a:ext cx="2749320" cy="1423080"/>
+            <a:ext cx="2748960" cy="1422720"/>
           </a:xfrm>
           <a:prstGeom prst="rect">
             <a:avLst/>
@@ -2582,14 +2450,14 @@
       </p:pic>
       <p:sp>
         <p:nvSpPr>
-          <p:cNvPr id="49" name="TextShape 1"/>
-          <p:cNvSpPr txBox="1"/>
+          <p:cNvPr id="46" name="CustomShape 1"/>
+          <p:cNvSpPr/>
           <p:nvPr/>
         </p:nvSpPr>
         <p:spPr>
           <a:xfrm>
             <a:off x="651960" y="2293560"/>
-            <a:ext cx="7948800" cy="3878280"/>
+            <a:ext cx="7948440" cy="3877920"/>
           </a:xfrm>
           <a:prstGeom prst="rect">
             <a:avLst/>
@@ -2599,8 +2467,14 @@
             <a:noFill/>
           </a:ln>
         </p:spPr>
-        <p:txBody>
-          <a:bodyPr/>
+        <p:style>
+          <a:lnRef idx="0"/>
+          <a:fillRef idx="0"/>
+          <a:effectRef idx="0"/>
+          <a:fontRef idx="minor"/>
+        </p:style>
+        <p:txBody>
+          <a:bodyPr lIns="90000" rIns="90000" tIns="45000" bIns="45000"/>
           <a:p>
             <a:pPr algn="just">
               <a:lnSpc>
@@ -2661,14 +2535,14 @@
       </p:sp>
       <p:sp>
         <p:nvSpPr>
-          <p:cNvPr id="50" name="CustomShape 2"/>
+          <p:cNvPr id="47" name="CustomShape 2"/>
           <p:cNvSpPr/>
           <p:nvPr/>
         </p:nvSpPr>
         <p:spPr>
           <a:xfrm>
             <a:off x="651960" y="276480"/>
-            <a:ext cx="2448000" cy="1007640"/>
+            <a:ext cx="2447640" cy="1007280"/>
           </a:xfrm>
           <a:prstGeom prst="rect">
             <a:avLst/>
@@ -2685,7 +2559,7 @@
           <a:fontRef idx="minor"/>
         </p:style>
         <p:txBody>
-          <a:bodyPr anchor="ctr">
+          <a:bodyPr lIns="90000" rIns="90000" tIns="45000" bIns="45000" anchor="ctr">
             <a:normAutofit/>
           </a:bodyPr>
           <a:p>
@@ -2705,6 +2579,7 @@
                   </a:solidFill>
                 </a:uFill>
                 <a:latin typeface="Century Gothic"/>
+                <a:ea typeface="DejaVu Sans"/>
               </a:rPr>
               <a:t>Introdução</a:t>
             </a:r>
@@ -2773,7 +2648,7 @@
       </p:grpSpPr>
       <p:pic>
         <p:nvPicPr>
-          <p:cNvPr id="51" name="Imagem 2" descr=""/>
+          <p:cNvPr id="48" name="Imagem 2" descr=""/>
           <p:cNvPicPr/>
           <p:nvPr/>
         </p:nvPicPr>
@@ -2784,7 +2659,7 @@
         <p:spPr>
           <a:xfrm>
             <a:off x="0" y="-48240"/>
-            <a:ext cx="9143640" cy="6941880"/>
+            <a:ext cx="9143280" cy="6941520"/>
           </a:xfrm>
           <a:prstGeom prst="rect">
             <a:avLst/>
@@ -2796,7 +2671,7 @@
       </p:pic>
       <p:pic>
         <p:nvPicPr>
-          <p:cNvPr id="52" name="Picture 2" descr=""/>
+          <p:cNvPr id="49" name="Picture 2" descr=""/>
           <p:cNvPicPr/>
           <p:nvPr/>
         </p:nvPicPr>
@@ -2807,7 +2682,7 @@
         <p:spPr>
           <a:xfrm>
             <a:off x="6255360" y="68760"/>
-            <a:ext cx="2749320" cy="1423080"/>
+            <a:ext cx="2748960" cy="1422720"/>
           </a:xfrm>
           <a:prstGeom prst="rect">
             <a:avLst/>
@@ -2819,14 +2694,14 @@
       </p:pic>
       <p:sp>
         <p:nvSpPr>
-          <p:cNvPr id="53" name="CustomShape 1"/>
+          <p:cNvPr id="50" name="CustomShape 1"/>
           <p:cNvSpPr/>
           <p:nvPr/>
         </p:nvSpPr>
         <p:spPr>
           <a:xfrm>
             <a:off x="652320" y="276480"/>
-            <a:ext cx="2448000" cy="1007640"/>
+            <a:ext cx="2447640" cy="1007280"/>
           </a:xfrm>
           <a:prstGeom prst="rect">
             <a:avLst/>
@@ -2843,7 +2718,7 @@
           <a:fontRef idx="minor"/>
         </p:style>
         <p:txBody>
-          <a:bodyPr anchor="ctr">
+          <a:bodyPr lIns="90000" rIns="90000" tIns="45000" bIns="45000" anchor="ctr">
             <a:normAutofit/>
           </a:bodyPr>
           <a:p>
@@ -2863,6 +2738,7 @@
                   </a:solidFill>
                 </a:uFill>
                 <a:latin typeface="Century Gothic"/>
+                <a:ea typeface="DejaVu Sans"/>
               </a:rPr>
               <a:t>Objetivo</a:t>
             </a:r>
@@ -2882,14 +2758,14 @@
       </p:sp>
       <p:sp>
         <p:nvSpPr>
-          <p:cNvPr id="54" name="TextShape 2"/>
-          <p:cNvSpPr txBox="1"/>
+          <p:cNvPr id="51" name="CustomShape 2"/>
+          <p:cNvSpPr/>
           <p:nvPr/>
         </p:nvSpPr>
         <p:spPr>
           <a:xfrm>
             <a:off x="652320" y="2293920"/>
-            <a:ext cx="7948080" cy="3877920"/>
+            <a:ext cx="7947720" cy="3877560"/>
           </a:xfrm>
           <a:prstGeom prst="rect">
             <a:avLst/>
@@ -2899,8 +2775,14 @@
             <a:noFill/>
           </a:ln>
         </p:spPr>
-        <p:txBody>
-          <a:bodyPr/>
+        <p:style>
+          <a:lnRef idx="0"/>
+          <a:fillRef idx="0"/>
+          <a:effectRef idx="0"/>
+          <a:fontRef idx="minor"/>
+        </p:style>
+        <p:txBody>
+          <a:bodyPr lIns="90000" rIns="90000" tIns="45000" bIns="45000"/>
           <a:p>
             <a:pPr algn="just">
               <a:lnSpc>
@@ -3090,21 +2972,7 @@
                 </a:uFill>
                 <a:latin typeface="Calibri"/>
               </a:rPr>
-              <a:t>Adquirir competências de desenvolvimento web com Java EE, aprender novas </a:t>
-            </a:r>
-            <a:r>
-              <a:rPr b="0" lang="pt-BR" sz="2400" spc="-1" strike="noStrike">
-                <a:solidFill>
-                  <a:srgbClr val="ffffff"/>
-                </a:solidFill>
-                <a:uFill>
-                  <a:solidFill>
-                    <a:srgbClr val="ffffff"/>
-                  </a:solidFill>
-                </a:uFill>
-                <a:latin typeface="Calibri"/>
-              </a:rPr>
-              <a:t>tecnologias e aprimorar conhecimentos. </a:t>
+              <a:t>Adquirir competências de desenvolvimento web com Java EE, aprender novas tecnologias e aprimorar conhecimentos. </a:t>
             </a:r>
             <a:endParaRPr b="0" lang="pt-BR" sz="2400" spc="-1" strike="noStrike">
               <a:solidFill>
@@ -3192,7 +3060,7 @@
       </p:grpSpPr>
       <p:pic>
         <p:nvPicPr>
-          <p:cNvPr id="55" name="Imagem 2" descr=""/>
+          <p:cNvPr id="52" name="Imagem 2" descr=""/>
           <p:cNvPicPr/>
           <p:nvPr/>
         </p:nvPicPr>
@@ -3203,7 +3071,7 @@
         <p:spPr>
           <a:xfrm>
             <a:off x="0" y="-48240"/>
-            <a:ext cx="9143640" cy="6941880"/>
+            <a:ext cx="9143280" cy="6941520"/>
           </a:xfrm>
           <a:prstGeom prst="rect">
             <a:avLst/>
@@ -3215,7 +3083,7 @@
       </p:pic>
       <p:pic>
         <p:nvPicPr>
-          <p:cNvPr id="56" name="Picture 2" descr=""/>
+          <p:cNvPr id="53" name="Picture 2" descr=""/>
           <p:cNvPicPr/>
           <p:nvPr/>
         </p:nvPicPr>
@@ -3226,7 +3094,7 @@
         <p:spPr>
           <a:xfrm>
             <a:off x="6255360" y="68760"/>
-            <a:ext cx="2749320" cy="1423080"/>
+            <a:ext cx="2748960" cy="1422720"/>
           </a:xfrm>
           <a:prstGeom prst="rect">
             <a:avLst/>
@@ -3238,14 +3106,14 @@
       </p:pic>
       <p:sp>
         <p:nvSpPr>
-          <p:cNvPr id="57" name="CustomShape 1"/>
+          <p:cNvPr id="54" name="CustomShape 1"/>
           <p:cNvSpPr/>
           <p:nvPr/>
         </p:nvSpPr>
         <p:spPr>
           <a:xfrm>
             <a:off x="652320" y="276480"/>
-            <a:ext cx="2448000" cy="1007640"/>
+            <a:ext cx="2447640" cy="1007280"/>
           </a:xfrm>
           <a:prstGeom prst="rect">
             <a:avLst/>
@@ -3262,7 +3130,7 @@
           <a:fontRef idx="minor"/>
         </p:style>
         <p:txBody>
-          <a:bodyPr anchor="ctr">
+          <a:bodyPr lIns="90000" rIns="90000" tIns="45000" bIns="45000" anchor="ctr">
             <a:normAutofit/>
           </a:bodyPr>
           <a:p>
@@ -3282,6 +3150,7 @@
                   </a:solidFill>
                 </a:uFill>
                 <a:latin typeface="Century Gothic"/>
+                <a:ea typeface="DejaVu Sans"/>
               </a:rPr>
               <a:t>Recruta-</a:t>
             </a:r>
@@ -3296,6 +3165,7 @@
                   </a:solidFill>
                 </a:uFill>
                 <a:latin typeface="Century Gothic"/>
+                <a:ea typeface="DejaVu Sans"/>
               </a:rPr>
               <a:t>if</a:t>
             </a:r>
@@ -3315,7 +3185,7 @@
       </p:sp>
       <p:pic>
         <p:nvPicPr>
-          <p:cNvPr id="58" name="Imagem 3" descr=""/>
+          <p:cNvPr id="55" name="Imagem 3" descr=""/>
           <p:cNvPicPr/>
           <p:nvPr/>
         </p:nvPicPr>
@@ -3326,7 +3196,7 @@
         <p:spPr>
           <a:xfrm>
             <a:off x="0" y="1375920"/>
-            <a:ext cx="9143640" cy="4261680"/>
+            <a:ext cx="9143280" cy="4261320"/>
           </a:xfrm>
           <a:prstGeom prst="rect">
             <a:avLst/>
@@ -3387,7 +3257,7 @@
       </p:grpSpPr>
       <p:pic>
         <p:nvPicPr>
-          <p:cNvPr id="59" name="Imagem 2" descr=""/>
+          <p:cNvPr id="56" name="Imagem 2" descr=""/>
           <p:cNvPicPr/>
           <p:nvPr/>
         </p:nvPicPr>
@@ -3398,7 +3268,7 @@
         <p:spPr>
           <a:xfrm>
             <a:off x="0" y="-48240"/>
-            <a:ext cx="9143640" cy="6941880"/>
+            <a:ext cx="9143280" cy="6941520"/>
           </a:xfrm>
           <a:prstGeom prst="rect">
             <a:avLst/>
@@ -3410,7 +3280,7 @@
       </p:pic>
       <p:pic>
         <p:nvPicPr>
-          <p:cNvPr id="60" name="Picture 2" descr=""/>
+          <p:cNvPr id="57" name="Picture 2" descr=""/>
           <p:cNvPicPr/>
           <p:nvPr/>
         </p:nvPicPr>
@@ -3421,7 +3291,7 @@
         <p:spPr>
           <a:xfrm>
             <a:off x="6255360" y="68760"/>
-            <a:ext cx="2749320" cy="1423080"/>
+            <a:ext cx="2748960" cy="1422720"/>
           </a:xfrm>
           <a:prstGeom prst="rect">
             <a:avLst/>
@@ -3433,14 +3303,14 @@
       </p:pic>
       <p:sp>
         <p:nvSpPr>
-          <p:cNvPr id="61" name="CustomShape 1"/>
+          <p:cNvPr id="58" name="CustomShape 1"/>
           <p:cNvSpPr/>
           <p:nvPr/>
         </p:nvSpPr>
         <p:spPr>
           <a:xfrm>
             <a:off x="652320" y="276480"/>
-            <a:ext cx="2448000" cy="1007640"/>
+            <a:ext cx="2447640" cy="1007280"/>
           </a:xfrm>
           <a:prstGeom prst="rect">
             <a:avLst/>
@@ -3457,7 +3327,7 @@
           <a:fontRef idx="minor"/>
         </p:style>
         <p:txBody>
-          <a:bodyPr anchor="ctr">
+          <a:bodyPr lIns="90000" rIns="90000" tIns="45000" bIns="45000" anchor="ctr">
             <a:normAutofit/>
           </a:bodyPr>
           <a:p>
@@ -3477,6 +3347,7 @@
                   </a:solidFill>
                 </a:uFill>
                 <a:latin typeface="Century Gothic"/>
+                <a:ea typeface="DejaVu Sans"/>
               </a:rPr>
               <a:t>Github</a:t>
             </a:r>
@@ -3496,14 +3367,14 @@
       </p:sp>
       <p:sp>
         <p:nvSpPr>
-          <p:cNvPr id="62" name="TextShape 2"/>
-          <p:cNvSpPr txBox="1"/>
+          <p:cNvPr id="59" name="CustomShape 2"/>
+          <p:cNvSpPr/>
           <p:nvPr/>
         </p:nvSpPr>
         <p:spPr>
           <a:xfrm>
             <a:off x="1143000" y="3602160"/>
-            <a:ext cx="6857640" cy="1655280"/>
+            <a:ext cx="6857280" cy="1654920"/>
           </a:xfrm>
           <a:prstGeom prst="rect">
             <a:avLst/>
@@ -3513,27 +3384,16 @@
             <a:noFill/>
           </a:ln>
         </p:spPr>
-        <p:txBody>
-          <a:bodyPr/>
-          <a:p>
-            <a:pPr algn="ctr"/>
-            <a:endParaRPr b="0" lang="pt-BR" sz="3200" spc="-1" strike="noStrike">
-              <a:solidFill>
-                <a:srgbClr val="000000"/>
-              </a:solidFill>
-              <a:uFill>
-                <a:solidFill>
-                  <a:srgbClr val="ffffff"/>
-                </a:solidFill>
-              </a:uFill>
-              <a:latin typeface="Arial"/>
-            </a:endParaRPr>
-          </a:p>
-        </p:txBody>
+        <p:style>
+          <a:lnRef idx="0"/>
+          <a:fillRef idx="0"/>
+          <a:effectRef idx="0"/>
+          <a:fontRef idx="minor"/>
+        </p:style>
       </p:sp>
       <p:pic>
         <p:nvPicPr>
-          <p:cNvPr id="63" name="Imagem 4" descr=""/>
+          <p:cNvPr id="60" name="Imagem 4" descr=""/>
           <p:cNvPicPr/>
           <p:nvPr/>
         </p:nvPicPr>
@@ -3544,7 +3404,7 @@
         <p:spPr>
           <a:xfrm>
             <a:off x="0" y="1388520"/>
-            <a:ext cx="9143640" cy="5505120"/>
+            <a:ext cx="9143280" cy="5504760"/>
           </a:xfrm>
           <a:prstGeom prst="rect">
             <a:avLst/>
@@ -3605,14 +3465,14 @@
       </p:grpSpPr>
       <p:sp>
         <p:nvSpPr>
-          <p:cNvPr id="64" name="TextShape 1"/>
-          <p:cNvSpPr txBox="1"/>
+          <p:cNvPr id="61" name="CustomShape 1"/>
+          <p:cNvSpPr/>
           <p:nvPr/>
         </p:nvSpPr>
         <p:spPr>
           <a:xfrm>
             <a:off x="0" y="-48240"/>
-            <a:ext cx="9143640" cy="6941880"/>
+            <a:ext cx="9143280" cy="6941520"/>
           </a:xfrm>
           <a:prstGeom prst="rect">
             <a:avLst/>
@@ -3627,6 +3487,12 @@
             <a:noFill/>
           </a:ln>
         </p:spPr>
+        <p:style>
+          <a:lnRef idx="0"/>
+          <a:fillRef idx="0"/>
+          <a:effectRef idx="0"/>
+          <a:fontRef idx="minor"/>
+        </p:style>
         <p:txBody>
           <a:bodyPr lIns="90000" rIns="90000" tIns="45000" bIns="45000"/>
           <a:p>
@@ -3660,7 +3526,7 @@
       </p:sp>
       <p:pic>
         <p:nvPicPr>
-          <p:cNvPr id="65" name="Picture 2" descr=""/>
+          <p:cNvPr id="62" name="Picture 2" descr=""/>
           <p:cNvPicPr/>
           <p:nvPr/>
         </p:nvPicPr>
@@ -3671,7 +3537,7 @@
         <p:spPr>
           <a:xfrm>
             <a:off x="6255360" y="68760"/>
-            <a:ext cx="2749320" cy="1423080"/>
+            <a:ext cx="2748960" cy="1422720"/>
           </a:xfrm>
           <a:prstGeom prst="rect">
             <a:avLst/>
@@ -3683,14 +3549,14 @@
       </p:pic>
       <p:sp>
         <p:nvSpPr>
-          <p:cNvPr id="66" name="CustomShape 2"/>
+          <p:cNvPr id="63" name="CustomShape 2"/>
           <p:cNvSpPr/>
           <p:nvPr/>
         </p:nvSpPr>
         <p:spPr>
           <a:xfrm>
             <a:off x="652320" y="276480"/>
-            <a:ext cx="2875680" cy="1007640"/>
+            <a:ext cx="2875320" cy="1007280"/>
           </a:xfrm>
           <a:prstGeom prst="rect">
             <a:avLst/>
@@ -3707,7 +3573,7 @@
           <a:fontRef idx="minor"/>
         </p:style>
         <p:txBody>
-          <a:bodyPr anchor="ctr">
+          <a:bodyPr lIns="90000" rIns="90000" tIns="45000" bIns="45000" anchor="ctr">
             <a:normAutofit/>
           </a:bodyPr>
           <a:p>
@@ -3727,6 +3593,7 @@
                   </a:solidFill>
                 </a:uFill>
                 <a:latin typeface="Century Gothic"/>
+                <a:ea typeface="DejaVu Sans"/>
               </a:rPr>
               <a:t>Principais Dificuldades</a:t>
             </a:r>
@@ -3746,14 +3613,14 @@
       </p:sp>
       <p:sp>
         <p:nvSpPr>
-          <p:cNvPr id="67" name="TextShape 3"/>
-          <p:cNvSpPr txBox="1"/>
+          <p:cNvPr id="64" name="CustomShape 3"/>
+          <p:cNvSpPr/>
           <p:nvPr/>
         </p:nvSpPr>
         <p:spPr>
           <a:xfrm>
             <a:off x="730440" y="1608840"/>
-            <a:ext cx="7948080" cy="4157640"/>
+            <a:ext cx="7947720" cy="4157280"/>
           </a:xfrm>
           <a:prstGeom prst="rect">
             <a:avLst/>
@@ -3763,8 +3630,14 @@
             <a:noFill/>
           </a:ln>
         </p:spPr>
-        <p:txBody>
-          <a:bodyPr/>
+        <p:style>
+          <a:lnRef idx="0"/>
+          <a:fillRef idx="0"/>
+          <a:effectRef idx="0"/>
+          <a:fontRef idx="minor"/>
+        </p:style>
+        <p:txBody>
+          <a:bodyPr lIns="90000" rIns="90000" tIns="45000" bIns="45000"/>
           <a:p>
             <a:pPr>
               <a:lnSpc>
@@ -3801,7 +3674,7 @@
             </a:endParaRPr>
           </a:p>
           <a:p>
-            <a:pPr marL="216000" indent="-216000">
+            <a:pPr marL="216000" indent="-215640">
               <a:lnSpc>
                 <a:spcPct val="100000"/>
               </a:lnSpc>
@@ -3827,7 +3700,7 @@
                 </a:uFill>
                 <a:latin typeface="Calibri"/>
               </a:rPr>
-              <a:t>Alinhamento do ambiente de desenvolvimento</a:t>
+              <a:t>Alinhamento do ambiente de desenvolvimento, como configurar o Postgres, GIT, Cache nos navegadores.</a:t>
             </a:r>
             <a:endParaRPr b="0" lang="pt-BR" sz="2400" spc="-1" strike="noStrike">
               <a:solidFill>
@@ -3842,7 +3715,7 @@
             </a:endParaRPr>
           </a:p>
           <a:p>
-            <a:pPr marL="216000" indent="-216000">
+            <a:pPr marL="216000" indent="-215640">
               <a:lnSpc>
                 <a:spcPct val="100000"/>
               </a:lnSpc>
@@ -3868,7 +3741,7 @@
                 </a:uFill>
                 <a:latin typeface="Calibri"/>
               </a:rPr>
-              <a:t>Adaptação e aprendizagem de novas tecnologias</a:t>
+              <a:t>Adaptação e aprendizagem de tecnologias que estão fora do escopo do curso, como AngularJS e REST.</a:t>
             </a:r>
             <a:endParaRPr b="0" lang="pt-BR" sz="2400" spc="-1" strike="noStrike">
               <a:solidFill>
@@ -4054,7 +3927,7 @@
       </p:grpSpPr>
       <p:pic>
         <p:nvPicPr>
-          <p:cNvPr id="68" name="Imagem 2" descr=""/>
+          <p:cNvPr id="65" name="Imagem 2" descr=""/>
           <p:cNvPicPr/>
           <p:nvPr/>
         </p:nvPicPr>
@@ -4065,7 +3938,7 @@
         <p:spPr>
           <a:xfrm>
             <a:off x="0" y="-48240"/>
-            <a:ext cx="9143640" cy="6941880"/>
+            <a:ext cx="9143280" cy="6941520"/>
           </a:xfrm>
           <a:prstGeom prst="rect">
             <a:avLst/>
@@ -4077,7 +3950,7 @@
       </p:pic>
       <p:pic>
         <p:nvPicPr>
-          <p:cNvPr id="69" name="Picture 2" descr=""/>
+          <p:cNvPr id="66" name="Picture 2" descr=""/>
           <p:cNvPicPr/>
           <p:nvPr/>
         </p:nvPicPr>
@@ -4088,7 +3961,7 @@
         <p:spPr>
           <a:xfrm>
             <a:off x="6255360" y="68760"/>
-            <a:ext cx="2749320" cy="1423080"/>
+            <a:ext cx="2748960" cy="1422720"/>
           </a:xfrm>
           <a:prstGeom prst="rect">
             <a:avLst/>
@@ -4100,14 +3973,14 @@
       </p:pic>
       <p:sp>
         <p:nvSpPr>
-          <p:cNvPr id="70" name="CustomShape 1"/>
+          <p:cNvPr id="67" name="CustomShape 1"/>
           <p:cNvSpPr/>
           <p:nvPr/>
         </p:nvSpPr>
         <p:spPr>
           <a:xfrm>
             <a:off x="652320" y="276480"/>
-            <a:ext cx="2448000" cy="1007640"/>
+            <a:ext cx="2447640" cy="1007280"/>
           </a:xfrm>
           <a:prstGeom prst="rect">
             <a:avLst/>
@@ -4124,7 +3997,7 @@
           <a:fontRef idx="minor"/>
         </p:style>
         <p:txBody>
-          <a:bodyPr anchor="ctr">
+          <a:bodyPr lIns="90000" rIns="90000" tIns="45000" bIns="45000" anchor="ctr">
             <a:normAutofit/>
           </a:bodyPr>
           <a:p>
@@ -4144,6 +4017,7 @@
                   </a:solidFill>
                 </a:uFill>
                 <a:latin typeface="Century Gothic"/>
+                <a:ea typeface="DejaVu Sans"/>
               </a:rPr>
               <a:t>Considerações Finais</a:t>
             </a:r>
@@ -4163,14 +4037,14 @@
       </p:sp>
       <p:sp>
         <p:nvSpPr>
-          <p:cNvPr id="71" name="TextShape 2"/>
-          <p:cNvSpPr txBox="1"/>
+          <p:cNvPr id="68" name="CustomShape 2"/>
+          <p:cNvSpPr/>
           <p:nvPr/>
         </p:nvSpPr>
         <p:spPr>
           <a:xfrm>
             <a:off x="730440" y="1608840"/>
-            <a:ext cx="7948080" cy="4157640"/>
+            <a:ext cx="7947720" cy="4157280"/>
           </a:xfrm>
           <a:prstGeom prst="rect">
             <a:avLst/>
@@ -4180,8 +4054,14 @@
             <a:noFill/>
           </a:ln>
         </p:spPr>
-        <p:txBody>
-          <a:bodyPr/>
+        <p:style>
+          <a:lnRef idx="0"/>
+          <a:fillRef idx="0"/>
+          <a:effectRef idx="0"/>
+          <a:fontRef idx="minor"/>
+        </p:style>
+        <p:txBody>
+          <a:bodyPr lIns="90000" rIns="90000" tIns="45000" bIns="45000"/>
           <a:p>
             <a:pPr algn="just">
               <a:lnSpc>
@@ -4203,7 +4083,49 @@
                 </a:uFill>
                 <a:latin typeface="Calibri"/>
               </a:rPr>
-              <a:t>O projeto permitiu a equipe colocar em pratica todo  conhecimento adquirido durante este e os semestres passados. Também permitiu que os membros se desenvolvessem individualmente, assumindo funções e aprendendo novas tecnologias. Com a implementação do projeto RecrutaIf, foi capaz de atingir e superar as metas estabelecidas.</a:t>
+              <a:t>	</a:t>
+            </a:r>
+            <a:r>
+              <a:rPr b="0" lang="pt-BR" sz="2400" spc="-1" strike="noStrike">
+                <a:solidFill>
+                  <a:srgbClr val="ffffff"/>
+                </a:solidFill>
+                <a:uFill>
+                  <a:solidFill>
+                    <a:srgbClr val="ffffff"/>
+                  </a:solidFill>
+                </a:uFill>
+                <a:latin typeface="Calibri"/>
+              </a:rPr>
+              <a:t>O projeto permitiu a equipe colocar em pratica todo  conhecimento adquirido durante este e os semestres passados.</a:t>
+            </a:r>
+            <a:r>
+              <a:rPr b="0" lang="pt-BR" sz="2400" spc="-1" strike="noStrike">
+                <a:solidFill>
+                  <a:srgbClr val="ffffff"/>
+                </a:solidFill>
+                <a:uFill>
+                  <a:solidFill>
+                    <a:srgbClr val="ffffff"/>
+                  </a:solidFill>
+                </a:uFill>
+                <a:latin typeface="Calibri"/>
+              </a:rPr>
+              <a:t>	</a:t>
+            </a:r>
+            <a:r>
+              <a:rPr b="0" lang="pt-BR" sz="2400" spc="-1" strike="noStrike">
+                <a:solidFill>
+                  <a:srgbClr val="ffffff"/>
+                </a:solidFill>
+                <a:uFill>
+                  <a:solidFill>
+                    <a:srgbClr val="ffffff"/>
+                  </a:solidFill>
+                </a:uFill>
+                <a:latin typeface="Calibri"/>
+              </a:rPr>
+              <a:t>Também permitiu que os membros se desenvolvessem individualmente, assumindo funções e aprendendo novas tecnologias. Com a implementação do projeto RecrutaIf, foi capaz de atingir e superar as metas estabelecidas.</a:t>
             </a:r>
             <a:endParaRPr b="0" lang="pt-BR" sz="2400" spc="-1" strike="noStrike">
               <a:solidFill>
@@ -4312,7 +4234,7 @@
       </p:grpSpPr>
       <p:pic>
         <p:nvPicPr>
-          <p:cNvPr id="72" name="Imagem 2" descr=""/>
+          <p:cNvPr id="69" name="Imagem 2" descr=""/>
           <p:cNvPicPr/>
           <p:nvPr/>
         </p:nvPicPr>
@@ -4323,7 +4245,7 @@
         <p:spPr>
           <a:xfrm>
             <a:off x="0" y="-48240"/>
-            <a:ext cx="9143640" cy="6941880"/>
+            <a:ext cx="9143280" cy="6941520"/>
           </a:xfrm>
           <a:prstGeom prst="rect">
             <a:avLst/>
@@ -4335,7 +4257,7 @@
       </p:pic>
       <p:pic>
         <p:nvPicPr>
-          <p:cNvPr id="73" name="Picture 2" descr=""/>
+          <p:cNvPr id="70" name="Picture 2" descr=""/>
           <p:cNvPicPr/>
           <p:nvPr/>
         </p:nvPicPr>
@@ -4346,7 +4268,7 @@
         <p:spPr>
           <a:xfrm>
             <a:off x="6255360" y="68760"/>
-            <a:ext cx="2749320" cy="1423080"/>
+            <a:ext cx="2748960" cy="1422720"/>
           </a:xfrm>
           <a:prstGeom prst="rect">
             <a:avLst/>
@@ -4358,14 +4280,14 @@
       </p:pic>
       <p:sp>
         <p:nvSpPr>
-          <p:cNvPr id="74" name="CustomShape 1"/>
+          <p:cNvPr id="71" name="CustomShape 1"/>
           <p:cNvSpPr/>
           <p:nvPr/>
         </p:nvSpPr>
         <p:spPr>
           <a:xfrm>
             <a:off x="652320" y="276480"/>
-            <a:ext cx="2448000" cy="1007640"/>
+            <a:ext cx="2447640" cy="1007280"/>
           </a:xfrm>
           <a:prstGeom prst="rect">
             <a:avLst/>
@@ -4382,7 +4304,7 @@
           <a:fontRef idx="minor"/>
         </p:style>
         <p:txBody>
-          <a:bodyPr anchor="ctr">
+          <a:bodyPr lIns="90000" rIns="90000" tIns="45000" bIns="45000" anchor="ctr">
             <a:normAutofit/>
           </a:bodyPr>
           <a:p>
@@ -4402,6 +4324,7 @@
                   </a:solidFill>
                 </a:uFill>
                 <a:latin typeface="Century Gothic"/>
+                <a:ea typeface="DejaVu Sans"/>
               </a:rPr>
               <a:t>Obrigado pela atenção</a:t>
             </a:r>
@@ -4421,14 +4344,14 @@
       </p:sp>
       <p:sp>
         <p:nvSpPr>
-          <p:cNvPr id="75" name="TextShape 2"/>
-          <p:cNvSpPr txBox="1"/>
+          <p:cNvPr id="72" name="CustomShape 2"/>
+          <p:cNvSpPr/>
           <p:nvPr/>
         </p:nvSpPr>
         <p:spPr>
           <a:xfrm>
             <a:off x="652320" y="1703520"/>
-            <a:ext cx="4537080" cy="3914640"/>
+            <a:ext cx="4536720" cy="3914280"/>
           </a:xfrm>
           <a:prstGeom prst="rect">
             <a:avLst/>
@@ -4438,8 +4361,14 @@
             <a:noFill/>
           </a:ln>
         </p:spPr>
-        <p:txBody>
-          <a:bodyPr/>
+        <p:style>
+          <a:lnRef idx="0"/>
+          <a:fillRef idx="0"/>
+          <a:effectRef idx="0"/>
+          <a:fontRef idx="minor"/>
+        </p:style>
+        <p:txBody>
+          <a:bodyPr lIns="90000" rIns="90000" tIns="45000" bIns="45000"/>
           <a:p>
             <a:pPr>
               <a:lnSpc>
